--- a/20191016.pptx
+++ b/20191016.pptx
@@ -1226,7 +1226,7 @@
   </inkml:definitions>
   <inkml:trace contextRef="#ctx0" brushRef="#br0">1 171,'22'-4,"47"-9,0 3,0 3,26 3,1149-1,-1114-6,46-12,-50 6,64 0,-82 9,68-15,28-4,-199 27,-1-1,1 1,0 0,0 0,-1 1,1-1,0 1,-1 0,1 0,-1 1,1-1,-1 1,0 0,1 0,-1 1,0-1,-1 1,5 3,-4-2,0 1,-1 0,1 0,-1 0,0 0,0 0,0 1,-1 0,0-1,0 1,-1 0,1 0,-1 0,0 4,4 45,-2-1,-3 1,-6 43,-10 218,13 1,16 29,27 123,-37-435</inkml:trace>
   <inkml:trace contextRef="#ctx0" brushRef="#br0" timeOffset="1">2871 2164,'9'222,"-22"272,13-488,-5 82,-2 108,7-196,0 1,0 0,0 0,0-1,0 1,0 0,-1-1,1 1,0 0,0-1,-1 1,1 0,0-1,-1 1,1-1,0 1,-1-1,1 1,-1-1,1 1,-1-1,1 1,-1-1,0 1,1-1,-1 0,1 1,-1-1,0 0,1 0,-1 1,0-1,1 0,-1 0,0 0,1 0,-1 0,0 0,0 0,1 0,-1 0,0 0,1-1,-1 1,0 0,1 0,-1-1,-2 1,0-1,0 0,0 0,0-1,0 1,1-1,-1 1,0-1,1 0,-1 0,-1-2,0 1,-1 0,1 0,0 0,-1 0,0 1,1-1</inkml:trace>
-  <inkml:trace contextRef="#ctx0" brushRef="#br0" timeOffset="-24910.387">1521 3193,'-79'2,"-103"-3,56 0,-115 15,12 0,69-14,153-1,-1-1,1 1,0-1,0 0,0-1,0 0,1 0,-1 0,-3-3,7 3,1 0,-1-1,1 1,0-1,0 1,0-1,0 0,0 0,1 1,0-1,-1-3,-8-19,-3 0,0 0,2-1,0-1,2 1,2-2,0 1,2-1,1 0,1 0,1-5,-4-35,-3 0,-16-58,10 59,3-1,-2-60,12 60,-4 1,-2 0,-3 0,-4 1,-20-58,30 102,5 21</inkml:trace>
+  <inkml:trace contextRef="#ctx0" brushRef="#br0" timeOffset="-24910.388">1521 3193,'-79'2,"-103"-3,56 0,-115 15,12 0,69-14,153-1,-1-1,1 1,0-1,0 0,0-1,0 0,1 0,-1 0,-3-3,7 3,1 0,-1-1,1 1,0-1,0 1,0-1,0 0,0 0,1 1,0-1,-1-3,-8-19,-3 0,0 0,2-1,0-1,2 1,2-2,0 1,2-1,1 0,1 0,1-5,-4-35,-3 0,-16-58,10 59,3-1,-2-60,12 60,-4 1,-2 0,-3 0,-4 1,-20-58,30 102,5 21</inkml:trace>
 </inkml:ink>
 </file>
 
@@ -4885,7 +4885,7 @@
             <a:fld id="{EFC10EE1-B198-C942-8235-326C972CBB30}" type="datetimeFigureOut">
               <a:rPr lang="en-US" smtClean="0"/>
               <a:pPr/>
-              <a:t>10/14/2019</a:t>
+              <a:t>10/16/2019</a:t>
             </a:fld>
             <a:endParaRPr lang="en-US"/>
           </a:p>
@@ -14380,7 +14380,7 @@
         </p:nvSpPr>
         <p:spPr>
           <a:xfrm>
-            <a:off x="838200" y="1611313"/>
+            <a:off x="838200" y="1176307"/>
             <a:ext cx="10515600" cy="4351338"/>
           </a:xfrm>
           <a:prstGeom prst="rect">
@@ -14563,6 +14563,15 @@
             <a:r>
               <a:rPr lang="en-US" sz="3200" dirty="0"/>
               <a:t>Any side-projects, issues, or questions?</a:t>
+            </a:r>
+          </a:p>
+          <a:p>
+            <a:endParaRPr lang="en-US" sz="3200" dirty="0"/>
+          </a:p>
+          <a:p>
+            <a:r>
+              <a:rPr lang="en-US" sz="3200" dirty="0"/>
+              <a:t>What are you going to learn next?</a:t>
             </a:r>
           </a:p>
           <a:p>
@@ -14813,6 +14822,55 @@
                       </p:childTnLst>
                     </p:cTn>
                   </p:par>
+                  <p:par>
+                    <p:cTn id="19" fill="hold">
+                      <p:stCondLst>
+                        <p:cond delay="indefinite"/>
+                      </p:stCondLst>
+                      <p:childTnLst>
+                        <p:par>
+                          <p:cTn id="20" fill="hold">
+                            <p:stCondLst>
+                              <p:cond delay="0"/>
+                            </p:stCondLst>
+                            <p:childTnLst>
+                              <p:par>
+                                <p:cTn id="21" presetID="1" presetClass="entr" presetSubtype="0" fill="hold" nodeType="clickEffect">
+                                  <p:stCondLst>
+                                    <p:cond delay="0"/>
+                                  </p:stCondLst>
+                                  <p:childTnLst>
+                                    <p:set>
+                                      <p:cBhvr>
+                                        <p:cTn id="22" dur="1" fill="hold">
+                                          <p:stCondLst>
+                                            <p:cond delay="0"/>
+                                          </p:stCondLst>
+                                        </p:cTn>
+                                        <p:tgtEl>
+                                          <p:spTgt spid="6">
+                                            <p:txEl>
+                                              <p:pRg st="8" end="8"/>
+                                            </p:txEl>
+                                          </p:spTgt>
+                                        </p:tgtEl>
+                                        <p:attrNameLst>
+                                          <p:attrName>style.visibility</p:attrName>
+                                        </p:attrNameLst>
+                                      </p:cBhvr>
+                                      <p:to>
+                                        <p:strVal val="visible"/>
+                                      </p:to>
+                                    </p:set>
+                                  </p:childTnLst>
+                                </p:cTn>
+                              </p:par>
+                            </p:childTnLst>
+                          </p:cTn>
+                        </p:par>
+                      </p:childTnLst>
+                    </p:cTn>
+                  </p:par>
                 </p:childTnLst>
               </p:cTn>
               <p:prevCondLst>
@@ -14979,8 +15037,8 @@
           </a:p>
         </p:txBody>
       </p:sp>
-      <mc:AlternateContent xmlns:mc="http://schemas.openxmlformats.org/markup-compatibility/2006">
-        <mc:Choice xmlns:p14="http://schemas.microsoft.com/office/powerpoint/2010/main" Requires="p14">
+      <mc:AlternateContent xmlns:mc="http://schemas.openxmlformats.org/markup-compatibility/2006" xmlns:p14="http://schemas.microsoft.com/office/powerpoint/2010/main">
+        <mc:Choice Requires="p14">
           <p:contentPart p14:bwMode="auto" r:id="rId2">
             <p14:nvContentPartPr>
               <p14:cNvPr id="35" name="Ink 34">
@@ -14999,7 +15057,7 @@
             </p14:xfrm>
           </p:contentPart>
         </mc:Choice>
-        <mc:Fallback>
+        <mc:Fallback xmlns="">
           <p:pic>
             <p:nvPicPr>
               <p:cNvPr id="35" name="Ink 34">
@@ -15030,8 +15088,8 @@
           </p:pic>
         </mc:Fallback>
       </mc:AlternateContent>
-      <mc:AlternateContent xmlns:mc="http://schemas.openxmlformats.org/markup-compatibility/2006">
-        <mc:Choice xmlns:p14="http://schemas.microsoft.com/office/powerpoint/2010/main" Requires="p14">
+      <mc:AlternateContent xmlns:mc="http://schemas.openxmlformats.org/markup-compatibility/2006" xmlns:p14="http://schemas.microsoft.com/office/powerpoint/2010/main">
+        <mc:Choice Requires="p14">
           <p:contentPart p14:bwMode="auto" r:id="rId4">
             <p14:nvContentPartPr>
               <p14:cNvPr id="51" name="Ink 50">
@@ -15050,7 +15108,7 @@
             </p14:xfrm>
           </p:contentPart>
         </mc:Choice>
-        <mc:Fallback>
+        <mc:Fallback xmlns="">
           <p:pic>
             <p:nvPicPr>
               <p:cNvPr id="51" name="Ink 50">
@@ -15081,8 +15139,8 @@
           </p:pic>
         </mc:Fallback>
       </mc:AlternateContent>
-      <mc:AlternateContent xmlns:mc="http://schemas.openxmlformats.org/markup-compatibility/2006">
-        <mc:Choice xmlns:p14="http://schemas.microsoft.com/office/powerpoint/2010/main" Requires="p14">
+      <mc:AlternateContent xmlns:mc="http://schemas.openxmlformats.org/markup-compatibility/2006" xmlns:p14="http://schemas.microsoft.com/office/powerpoint/2010/main">
+        <mc:Choice Requires="p14">
           <p:contentPart p14:bwMode="auto" r:id="rId6">
             <p14:nvContentPartPr>
               <p14:cNvPr id="53" name="Ink 52">
@@ -15101,7 +15159,7 @@
             </p14:xfrm>
           </p:contentPart>
         </mc:Choice>
-        <mc:Fallback>
+        <mc:Fallback xmlns="">
           <p:pic>
             <p:nvPicPr>
               <p:cNvPr id="53" name="Ink 52">
@@ -15132,8 +15190,8 @@
           </p:pic>
         </mc:Fallback>
       </mc:AlternateContent>
-      <mc:AlternateContent xmlns:mc="http://schemas.openxmlformats.org/markup-compatibility/2006">
-        <mc:Choice xmlns:p14="http://schemas.microsoft.com/office/powerpoint/2010/main" Requires="p14">
+      <mc:AlternateContent xmlns:mc="http://schemas.openxmlformats.org/markup-compatibility/2006" xmlns:p14="http://schemas.microsoft.com/office/powerpoint/2010/main">
+        <mc:Choice Requires="p14">
           <p:contentPart p14:bwMode="auto" r:id="rId8">
             <p14:nvContentPartPr>
               <p14:cNvPr id="54" name="Ink 53">
@@ -15152,7 +15210,7 @@
             </p14:xfrm>
           </p:contentPart>
         </mc:Choice>
-        <mc:Fallback>
+        <mc:Fallback xmlns="">
           <p:pic>
             <p:nvPicPr>
               <p:cNvPr id="54" name="Ink 53">
@@ -15183,8 +15241,8 @@
           </p:pic>
         </mc:Fallback>
       </mc:AlternateContent>
-      <mc:AlternateContent xmlns:mc="http://schemas.openxmlformats.org/markup-compatibility/2006">
-        <mc:Choice xmlns:p14="http://schemas.microsoft.com/office/powerpoint/2010/main" Requires="p14">
+      <mc:AlternateContent xmlns:mc="http://schemas.openxmlformats.org/markup-compatibility/2006" xmlns:p14="http://schemas.microsoft.com/office/powerpoint/2010/main">
+        <mc:Choice Requires="p14">
           <p:contentPart p14:bwMode="auto" r:id="rId10">
             <p14:nvContentPartPr>
               <p14:cNvPr id="62" name="Ink 61">
@@ -15203,7 +15261,7 @@
             </p14:xfrm>
           </p:contentPart>
         </mc:Choice>
-        <mc:Fallback>
+        <mc:Fallback xmlns="">
           <p:pic>
             <p:nvPicPr>
               <p:cNvPr id="62" name="Ink 61">
@@ -15234,8 +15292,8 @@
           </p:pic>
         </mc:Fallback>
       </mc:AlternateContent>
-      <mc:AlternateContent xmlns:mc="http://schemas.openxmlformats.org/markup-compatibility/2006">
-        <mc:Choice xmlns:p14="http://schemas.microsoft.com/office/powerpoint/2010/main" Requires="p14">
+      <mc:AlternateContent xmlns:mc="http://schemas.openxmlformats.org/markup-compatibility/2006" xmlns:p14="http://schemas.microsoft.com/office/powerpoint/2010/main">
+        <mc:Choice Requires="p14">
           <p:contentPart p14:bwMode="auto" r:id="rId12">
             <p14:nvContentPartPr>
               <p14:cNvPr id="64" name="Ink 63">
@@ -15254,7 +15312,7 @@
             </p14:xfrm>
           </p:contentPart>
         </mc:Choice>
-        <mc:Fallback>
+        <mc:Fallback xmlns="">
           <p:pic>
             <p:nvPicPr>
               <p:cNvPr id="64" name="Ink 63">
@@ -15285,8 +15343,8 @@
           </p:pic>
         </mc:Fallback>
       </mc:AlternateContent>
-      <mc:AlternateContent xmlns:mc="http://schemas.openxmlformats.org/markup-compatibility/2006">
-        <mc:Choice xmlns:p14="http://schemas.microsoft.com/office/powerpoint/2010/main" Requires="p14">
+      <mc:AlternateContent xmlns:mc="http://schemas.openxmlformats.org/markup-compatibility/2006" xmlns:p14="http://schemas.microsoft.com/office/powerpoint/2010/main">
+        <mc:Choice Requires="p14">
           <p:contentPart p14:bwMode="auto" r:id="rId14">
             <p14:nvContentPartPr>
               <p14:cNvPr id="44" name="Ink 43">
@@ -15305,7 +15363,7 @@
             </p14:xfrm>
           </p:contentPart>
         </mc:Choice>
-        <mc:Fallback>
+        <mc:Fallback xmlns="">
           <p:pic>
             <p:nvPicPr>
               <p:cNvPr id="44" name="Ink 43">
@@ -15336,8 +15394,8 @@
           </p:pic>
         </mc:Fallback>
       </mc:AlternateContent>
-      <mc:AlternateContent xmlns:mc="http://schemas.openxmlformats.org/markup-compatibility/2006">
-        <mc:Choice xmlns:p14="http://schemas.microsoft.com/office/powerpoint/2010/main" Requires="p14">
+      <mc:AlternateContent xmlns:mc="http://schemas.openxmlformats.org/markup-compatibility/2006" xmlns:p14="http://schemas.microsoft.com/office/powerpoint/2010/main">
+        <mc:Choice Requires="p14">
           <p:contentPart p14:bwMode="auto" r:id="rId16">
             <p14:nvContentPartPr>
               <p14:cNvPr id="45" name="Ink 44">
@@ -15356,7 +15414,7 @@
             </p14:xfrm>
           </p:contentPart>
         </mc:Choice>
-        <mc:Fallback>
+        <mc:Fallback xmlns="">
           <p:pic>
             <p:nvPicPr>
               <p:cNvPr id="45" name="Ink 44">
@@ -15387,8 +15445,8 @@
           </p:pic>
         </mc:Fallback>
       </mc:AlternateContent>
-      <mc:AlternateContent xmlns:mc="http://schemas.openxmlformats.org/markup-compatibility/2006">
-        <mc:Choice xmlns:p14="http://schemas.microsoft.com/office/powerpoint/2010/main" Requires="p14">
+      <mc:AlternateContent xmlns:mc="http://schemas.openxmlformats.org/markup-compatibility/2006" xmlns:p14="http://schemas.microsoft.com/office/powerpoint/2010/main">
+        <mc:Choice Requires="p14">
           <p:contentPart p14:bwMode="auto" r:id="rId18">
             <p14:nvContentPartPr>
               <p14:cNvPr id="46" name="Ink 45">
@@ -15407,7 +15465,7 @@
             </p14:xfrm>
           </p:contentPart>
         </mc:Choice>
-        <mc:Fallback>
+        <mc:Fallback xmlns="">
           <p:pic>
             <p:nvPicPr>
               <p:cNvPr id="46" name="Ink 45">
@@ -15438,8 +15496,8 @@
           </p:pic>
         </mc:Fallback>
       </mc:AlternateContent>
-      <mc:AlternateContent xmlns:mc="http://schemas.openxmlformats.org/markup-compatibility/2006">
-        <mc:Choice xmlns:p14="http://schemas.microsoft.com/office/powerpoint/2010/main" Requires="p14">
+      <mc:AlternateContent xmlns:mc="http://schemas.openxmlformats.org/markup-compatibility/2006" xmlns:p14="http://schemas.microsoft.com/office/powerpoint/2010/main">
+        <mc:Choice Requires="p14">
           <p:contentPart p14:bwMode="auto" r:id="rId20">
             <p14:nvContentPartPr>
               <p14:cNvPr id="48" name="Ink 47">
@@ -15458,7 +15516,7 @@
             </p14:xfrm>
           </p:contentPart>
         </mc:Choice>
-        <mc:Fallback>
+        <mc:Fallback xmlns="">
           <p:pic>
             <p:nvPicPr>
               <p:cNvPr id="48" name="Ink 47">
@@ -15489,8 +15547,8 @@
           </p:pic>
         </mc:Fallback>
       </mc:AlternateContent>
-      <mc:AlternateContent xmlns:mc="http://schemas.openxmlformats.org/markup-compatibility/2006">
-        <mc:Choice xmlns:p14="http://schemas.microsoft.com/office/powerpoint/2010/main" Requires="p14">
+      <mc:AlternateContent xmlns:mc="http://schemas.openxmlformats.org/markup-compatibility/2006" xmlns:p14="http://schemas.microsoft.com/office/powerpoint/2010/main">
+        <mc:Choice Requires="p14">
           <p:contentPart p14:bwMode="auto" r:id="rId22">
             <p14:nvContentPartPr>
               <p14:cNvPr id="66" name="Ink 65">
@@ -15509,7 +15567,7 @@
             </p14:xfrm>
           </p:contentPart>
         </mc:Choice>
-        <mc:Fallback>
+        <mc:Fallback xmlns="">
           <p:pic>
             <p:nvPicPr>
               <p:cNvPr id="66" name="Ink 65">
@@ -15540,8 +15598,8 @@
           </p:pic>
         </mc:Fallback>
       </mc:AlternateContent>
-      <mc:AlternateContent xmlns:mc="http://schemas.openxmlformats.org/markup-compatibility/2006">
-        <mc:Choice xmlns:p14="http://schemas.microsoft.com/office/powerpoint/2010/main" Requires="p14">
+      <mc:AlternateContent xmlns:mc="http://schemas.openxmlformats.org/markup-compatibility/2006" xmlns:p14="http://schemas.microsoft.com/office/powerpoint/2010/main">
+        <mc:Choice Requires="p14">
           <p:contentPart p14:bwMode="auto" r:id="rId24">
             <p14:nvContentPartPr>
               <p14:cNvPr id="67" name="Ink 66">
@@ -15560,7 +15618,7 @@
             </p14:xfrm>
           </p:contentPart>
         </mc:Choice>
-        <mc:Fallback>
+        <mc:Fallback xmlns="">
           <p:pic>
             <p:nvPicPr>
               <p:cNvPr id="67" name="Ink 66">
@@ -15591,8 +15649,8 @@
           </p:pic>
         </mc:Fallback>
       </mc:AlternateContent>
-      <mc:AlternateContent xmlns:mc="http://schemas.openxmlformats.org/markup-compatibility/2006">
-        <mc:Choice xmlns:p14="http://schemas.microsoft.com/office/powerpoint/2010/main" Requires="p14">
+      <mc:AlternateContent xmlns:mc="http://schemas.openxmlformats.org/markup-compatibility/2006" xmlns:p14="http://schemas.microsoft.com/office/powerpoint/2010/main">
+        <mc:Choice Requires="p14">
           <p:contentPart p14:bwMode="auto" r:id="rId26">
             <p14:nvContentPartPr>
               <p14:cNvPr id="68" name="Ink 67">
@@ -15611,7 +15669,7 @@
             </p14:xfrm>
           </p:contentPart>
         </mc:Choice>
-        <mc:Fallback>
+        <mc:Fallback xmlns="">
           <p:pic>
             <p:nvPicPr>
               <p:cNvPr id="68" name="Ink 67">
@@ -15662,8 +15720,8 @@
             <a:chExt cx="4890240" cy="1350720"/>
           </a:xfrm>
         </p:grpSpPr>
-        <mc:AlternateContent xmlns:mc="http://schemas.openxmlformats.org/markup-compatibility/2006">
-          <mc:Choice xmlns:p14="http://schemas.microsoft.com/office/powerpoint/2010/main" Requires="p14">
+        <mc:AlternateContent xmlns:mc="http://schemas.openxmlformats.org/markup-compatibility/2006" xmlns:p14="http://schemas.microsoft.com/office/powerpoint/2010/main">
+          <mc:Choice Requires="p14">
             <p:contentPart p14:bwMode="auto" r:id="rId28">
               <p14:nvContentPartPr>
                 <p14:cNvPr id="23" name="Ink 22">
@@ -15682,7 +15740,7 @@
               </p14:xfrm>
             </p:contentPart>
           </mc:Choice>
-          <mc:Fallback>
+          <mc:Fallback xmlns="">
             <p:pic>
               <p:nvPicPr>
                 <p:cNvPr id="23" name="Ink 22">
@@ -15713,8 +15771,8 @@
             </p:pic>
           </mc:Fallback>
         </mc:AlternateContent>
-        <mc:AlternateContent xmlns:mc="http://schemas.openxmlformats.org/markup-compatibility/2006">
-          <mc:Choice xmlns:p14="http://schemas.microsoft.com/office/powerpoint/2010/main" Requires="p14">
+        <mc:AlternateContent xmlns:mc="http://schemas.openxmlformats.org/markup-compatibility/2006" xmlns:p14="http://schemas.microsoft.com/office/powerpoint/2010/main">
+          <mc:Choice Requires="p14">
             <p:contentPart p14:bwMode="auto" r:id="rId30">
               <p14:nvContentPartPr>
                 <p14:cNvPr id="24" name="Ink 23">
@@ -15733,7 +15791,7 @@
               </p14:xfrm>
             </p:contentPart>
           </mc:Choice>
-          <mc:Fallback>
+          <mc:Fallback xmlns="">
             <p:pic>
               <p:nvPicPr>
                 <p:cNvPr id="24" name="Ink 23">
@@ -15764,8 +15822,8 @@
             </p:pic>
           </mc:Fallback>
         </mc:AlternateContent>
-        <mc:AlternateContent xmlns:mc="http://schemas.openxmlformats.org/markup-compatibility/2006">
-          <mc:Choice xmlns:p14="http://schemas.microsoft.com/office/powerpoint/2010/main" Requires="p14">
+        <mc:AlternateContent xmlns:mc="http://schemas.openxmlformats.org/markup-compatibility/2006" xmlns:p14="http://schemas.microsoft.com/office/powerpoint/2010/main">
+          <mc:Choice Requires="p14">
             <p:contentPart p14:bwMode="auto" r:id="rId32">
               <p14:nvContentPartPr>
                 <p14:cNvPr id="25" name="Ink 24">
@@ -15784,7 +15842,7 @@
               </p14:xfrm>
             </p:contentPart>
           </mc:Choice>
-          <mc:Fallback>
+          <mc:Fallback xmlns="">
             <p:pic>
               <p:nvPicPr>
                 <p:cNvPr id="25" name="Ink 24">
@@ -15815,8 +15873,8 @@
             </p:pic>
           </mc:Fallback>
         </mc:AlternateContent>
-        <mc:AlternateContent xmlns:mc="http://schemas.openxmlformats.org/markup-compatibility/2006">
-          <mc:Choice xmlns:p14="http://schemas.microsoft.com/office/powerpoint/2010/main" Requires="p14">
+        <mc:AlternateContent xmlns:mc="http://schemas.openxmlformats.org/markup-compatibility/2006" xmlns:p14="http://schemas.microsoft.com/office/powerpoint/2010/main">
+          <mc:Choice Requires="p14">
             <p:contentPart p14:bwMode="auto" r:id="rId34">
               <p14:nvContentPartPr>
                 <p14:cNvPr id="27" name="Ink 26">
@@ -15835,7 +15893,7 @@
               </p14:xfrm>
             </p:contentPart>
           </mc:Choice>
-          <mc:Fallback>
+          <mc:Fallback xmlns="">
             <p:pic>
               <p:nvPicPr>
                 <p:cNvPr id="27" name="Ink 26">
@@ -15866,8 +15924,8 @@
             </p:pic>
           </mc:Fallback>
         </mc:AlternateContent>
-        <mc:AlternateContent xmlns:mc="http://schemas.openxmlformats.org/markup-compatibility/2006">
-          <mc:Choice xmlns:p14="http://schemas.microsoft.com/office/powerpoint/2010/main" Requires="p14">
+        <mc:AlternateContent xmlns:mc="http://schemas.openxmlformats.org/markup-compatibility/2006" xmlns:p14="http://schemas.microsoft.com/office/powerpoint/2010/main">
+          <mc:Choice Requires="p14">
             <p:contentPart p14:bwMode="auto" r:id="rId36">
               <p14:nvContentPartPr>
                 <p14:cNvPr id="29" name="Ink 28">
@@ -15886,7 +15944,7 @@
               </p14:xfrm>
             </p:contentPart>
           </mc:Choice>
-          <mc:Fallback>
+          <mc:Fallback xmlns="">
             <p:pic>
               <p:nvPicPr>
                 <p:cNvPr id="29" name="Ink 28">
@@ -15917,8 +15975,8 @@
             </p:pic>
           </mc:Fallback>
         </mc:AlternateContent>
-        <mc:AlternateContent xmlns:mc="http://schemas.openxmlformats.org/markup-compatibility/2006">
-          <mc:Choice xmlns:p14="http://schemas.microsoft.com/office/powerpoint/2010/main" Requires="p14">
+        <mc:AlternateContent xmlns:mc="http://schemas.openxmlformats.org/markup-compatibility/2006" xmlns:p14="http://schemas.microsoft.com/office/powerpoint/2010/main">
+          <mc:Choice Requires="p14">
             <p:contentPart p14:bwMode="auto" r:id="rId38">
               <p14:nvContentPartPr>
                 <p14:cNvPr id="31" name="Ink 30">
@@ -15937,7 +15995,7 @@
               </p14:xfrm>
             </p:contentPart>
           </mc:Choice>
-          <mc:Fallback>
+          <mc:Fallback xmlns="">
             <p:pic>
               <p:nvPicPr>
                 <p:cNvPr id="31" name="Ink 30">
@@ -15968,8 +16026,8 @@
             </p:pic>
           </mc:Fallback>
         </mc:AlternateContent>
-        <mc:AlternateContent xmlns:mc="http://schemas.openxmlformats.org/markup-compatibility/2006">
-          <mc:Choice xmlns:p14="http://schemas.microsoft.com/office/powerpoint/2010/main" Requires="p14">
+        <mc:AlternateContent xmlns:mc="http://schemas.openxmlformats.org/markup-compatibility/2006" xmlns:p14="http://schemas.microsoft.com/office/powerpoint/2010/main">
+          <mc:Choice Requires="p14">
             <p:contentPart p14:bwMode="auto" r:id="rId40">
               <p14:nvContentPartPr>
                 <p14:cNvPr id="32" name="Ink 31">
@@ -15988,7 +16046,7 @@
               </p14:xfrm>
             </p:contentPart>
           </mc:Choice>
-          <mc:Fallback>
+          <mc:Fallback xmlns="">
             <p:pic>
               <p:nvPicPr>
                 <p:cNvPr id="32" name="Ink 31">
@@ -16019,8 +16077,8 @@
             </p:pic>
           </mc:Fallback>
         </mc:AlternateContent>
-        <mc:AlternateContent xmlns:mc="http://schemas.openxmlformats.org/markup-compatibility/2006">
-          <mc:Choice xmlns:p14="http://schemas.microsoft.com/office/powerpoint/2010/main" Requires="p14">
+        <mc:AlternateContent xmlns:mc="http://schemas.openxmlformats.org/markup-compatibility/2006" xmlns:p14="http://schemas.microsoft.com/office/powerpoint/2010/main">
+          <mc:Choice Requires="p14">
             <p:contentPart p14:bwMode="auto" r:id="rId42">
               <p14:nvContentPartPr>
                 <p14:cNvPr id="33" name="Ink 32">
@@ -16039,7 +16097,7 @@
               </p14:xfrm>
             </p:contentPart>
           </mc:Choice>
-          <mc:Fallback>
+          <mc:Fallback xmlns="">
             <p:pic>
               <p:nvPicPr>
                 <p:cNvPr id="33" name="Ink 32">
@@ -16070,8 +16128,8 @@
             </p:pic>
           </mc:Fallback>
         </mc:AlternateContent>
-        <mc:AlternateContent xmlns:mc="http://schemas.openxmlformats.org/markup-compatibility/2006">
-          <mc:Choice xmlns:p14="http://schemas.microsoft.com/office/powerpoint/2010/main" Requires="p14">
+        <mc:AlternateContent xmlns:mc="http://schemas.openxmlformats.org/markup-compatibility/2006" xmlns:p14="http://schemas.microsoft.com/office/powerpoint/2010/main">
+          <mc:Choice Requires="p14">
             <p:contentPart p14:bwMode="auto" r:id="rId44">
               <p14:nvContentPartPr>
                 <p14:cNvPr id="37" name="Ink 36">
@@ -16090,7 +16148,7 @@
               </p14:xfrm>
             </p:contentPart>
           </mc:Choice>
-          <mc:Fallback>
+          <mc:Fallback xmlns="">
             <p:pic>
               <p:nvPicPr>
                 <p:cNvPr id="37" name="Ink 36">
@@ -16121,8 +16179,8 @@
             </p:pic>
           </mc:Fallback>
         </mc:AlternateContent>
-        <mc:AlternateContent xmlns:mc="http://schemas.openxmlformats.org/markup-compatibility/2006">
-          <mc:Choice xmlns:p14="http://schemas.microsoft.com/office/powerpoint/2010/main" Requires="p14">
+        <mc:AlternateContent xmlns:mc="http://schemas.openxmlformats.org/markup-compatibility/2006" xmlns:p14="http://schemas.microsoft.com/office/powerpoint/2010/main">
+          <mc:Choice Requires="p14">
             <p:contentPart p14:bwMode="auto" r:id="rId46">
               <p14:nvContentPartPr>
                 <p14:cNvPr id="38" name="Ink 37">
@@ -16141,7 +16199,7 @@
               </p14:xfrm>
             </p:contentPart>
           </mc:Choice>
-          <mc:Fallback>
+          <mc:Fallback xmlns="">
             <p:pic>
               <p:nvPicPr>
                 <p:cNvPr id="38" name="Ink 37">
@@ -16172,8 +16230,8 @@
             </p:pic>
           </mc:Fallback>
         </mc:AlternateContent>
-        <mc:AlternateContent xmlns:mc="http://schemas.openxmlformats.org/markup-compatibility/2006">
-          <mc:Choice xmlns:p14="http://schemas.microsoft.com/office/powerpoint/2010/main" Requires="p14">
+        <mc:AlternateContent xmlns:mc="http://schemas.openxmlformats.org/markup-compatibility/2006" xmlns:p14="http://schemas.microsoft.com/office/powerpoint/2010/main">
+          <mc:Choice Requires="p14">
             <p:contentPart p14:bwMode="auto" r:id="rId48">
               <p14:nvContentPartPr>
                 <p14:cNvPr id="39" name="Ink 38">
@@ -16192,7 +16250,7 @@
               </p14:xfrm>
             </p:contentPart>
           </mc:Choice>
-          <mc:Fallback>
+          <mc:Fallback xmlns="">
             <p:pic>
               <p:nvPicPr>
                 <p:cNvPr id="39" name="Ink 38">
@@ -16223,8 +16281,8 @@
             </p:pic>
           </mc:Fallback>
         </mc:AlternateContent>
-        <mc:AlternateContent xmlns:mc="http://schemas.openxmlformats.org/markup-compatibility/2006">
-          <mc:Choice xmlns:p14="http://schemas.microsoft.com/office/powerpoint/2010/main" Requires="p14">
+        <mc:AlternateContent xmlns:mc="http://schemas.openxmlformats.org/markup-compatibility/2006" xmlns:p14="http://schemas.microsoft.com/office/powerpoint/2010/main">
+          <mc:Choice Requires="p14">
             <p:contentPart p14:bwMode="auto" r:id="rId50">
               <p14:nvContentPartPr>
                 <p14:cNvPr id="40" name="Ink 39">
@@ -16243,7 +16301,7 @@
               </p14:xfrm>
             </p:contentPart>
           </mc:Choice>
-          <mc:Fallback>
+          <mc:Fallback xmlns="">
             <p:pic>
               <p:nvPicPr>
                 <p:cNvPr id="40" name="Ink 39">
@@ -16274,8 +16332,8 @@
             </p:pic>
           </mc:Fallback>
         </mc:AlternateContent>
-        <mc:AlternateContent xmlns:mc="http://schemas.openxmlformats.org/markup-compatibility/2006">
-          <mc:Choice xmlns:p14="http://schemas.microsoft.com/office/powerpoint/2010/main" Requires="p14">
+        <mc:AlternateContent xmlns:mc="http://schemas.openxmlformats.org/markup-compatibility/2006" xmlns:p14="http://schemas.microsoft.com/office/powerpoint/2010/main">
+          <mc:Choice Requires="p14">
             <p:contentPart p14:bwMode="auto" r:id="rId52">
               <p14:nvContentPartPr>
                 <p14:cNvPr id="42" name="Ink 41">
@@ -16294,7 +16352,7 @@
               </p14:xfrm>
             </p:contentPart>
           </mc:Choice>
-          <mc:Fallback>
+          <mc:Fallback xmlns="">
             <p:pic>
               <p:nvPicPr>
                 <p:cNvPr id="42" name="Ink 41">
@@ -16325,8 +16383,8 @@
             </p:pic>
           </mc:Fallback>
         </mc:AlternateContent>
-        <mc:AlternateContent xmlns:mc="http://schemas.openxmlformats.org/markup-compatibility/2006">
-          <mc:Choice xmlns:p14="http://schemas.microsoft.com/office/powerpoint/2010/main" Requires="p14">
+        <mc:AlternateContent xmlns:mc="http://schemas.openxmlformats.org/markup-compatibility/2006" xmlns:p14="http://schemas.microsoft.com/office/powerpoint/2010/main">
+          <mc:Choice Requires="p14">
             <p:contentPart p14:bwMode="auto" r:id="rId54">
               <p14:nvContentPartPr>
                 <p14:cNvPr id="74" name="Ink 73">
@@ -16345,7 +16403,7 @@
               </p14:xfrm>
             </p:contentPart>
           </mc:Choice>
-          <mc:Fallback>
+          <mc:Fallback xmlns="">
             <p:pic>
               <p:nvPicPr>
                 <p:cNvPr id="74" name="Ink 73">
@@ -16397,8 +16455,8 @@
             <a:chExt cx="4683240" cy="1915560"/>
           </a:xfrm>
         </p:grpSpPr>
-        <mc:AlternateContent xmlns:mc="http://schemas.openxmlformats.org/markup-compatibility/2006">
-          <mc:Choice xmlns:p14="http://schemas.microsoft.com/office/powerpoint/2010/main" Requires="p14">
+        <mc:AlternateContent xmlns:mc="http://schemas.openxmlformats.org/markup-compatibility/2006" xmlns:p14="http://schemas.microsoft.com/office/powerpoint/2010/main">
+          <mc:Choice Requires="p14">
             <p:contentPart p14:bwMode="auto" r:id="rId56">
               <p14:nvContentPartPr>
                 <p14:cNvPr id="70" name="Ink 69">
@@ -16417,7 +16475,7 @@
               </p14:xfrm>
             </p:contentPart>
           </mc:Choice>
-          <mc:Fallback>
+          <mc:Fallback xmlns="">
             <p:pic>
               <p:nvPicPr>
                 <p:cNvPr id="70" name="Ink 69">
@@ -16448,8 +16506,8 @@
             </p:pic>
           </mc:Fallback>
         </mc:AlternateContent>
-        <mc:AlternateContent xmlns:mc="http://schemas.openxmlformats.org/markup-compatibility/2006">
-          <mc:Choice xmlns:p14="http://schemas.microsoft.com/office/powerpoint/2010/main" Requires="p14">
+        <mc:AlternateContent xmlns:mc="http://schemas.openxmlformats.org/markup-compatibility/2006" xmlns:p14="http://schemas.microsoft.com/office/powerpoint/2010/main">
+          <mc:Choice Requires="p14">
             <p:contentPart p14:bwMode="auto" r:id="rId58">
               <p14:nvContentPartPr>
                 <p14:cNvPr id="71" name="Ink 70">
@@ -16468,7 +16526,7 @@
               </p14:xfrm>
             </p:contentPart>
           </mc:Choice>
-          <mc:Fallback>
+          <mc:Fallback xmlns="">
             <p:pic>
               <p:nvPicPr>
                 <p:cNvPr id="71" name="Ink 70">
@@ -16499,8 +16557,8 @@
             </p:pic>
           </mc:Fallback>
         </mc:AlternateContent>
-        <mc:AlternateContent xmlns:mc="http://schemas.openxmlformats.org/markup-compatibility/2006">
-          <mc:Choice xmlns:p14="http://schemas.microsoft.com/office/powerpoint/2010/main" Requires="p14">
+        <mc:AlternateContent xmlns:mc="http://schemas.openxmlformats.org/markup-compatibility/2006" xmlns:p14="http://schemas.microsoft.com/office/powerpoint/2010/main">
+          <mc:Choice Requires="p14">
             <p:contentPart p14:bwMode="auto" r:id="rId60">
               <p14:nvContentPartPr>
                 <p14:cNvPr id="72" name="Ink 71">
@@ -16519,7 +16577,7 @@
               </p14:xfrm>
             </p:contentPart>
           </mc:Choice>
-          <mc:Fallback>
+          <mc:Fallback xmlns="">
             <p:pic>
               <p:nvPicPr>
                 <p:cNvPr id="72" name="Ink 71">
@@ -16550,8 +16608,8 @@
             </p:pic>
           </mc:Fallback>
         </mc:AlternateContent>
-        <mc:AlternateContent xmlns:mc="http://schemas.openxmlformats.org/markup-compatibility/2006">
-          <mc:Choice xmlns:p14="http://schemas.microsoft.com/office/powerpoint/2010/main" Requires="p14">
+        <mc:AlternateContent xmlns:mc="http://schemas.openxmlformats.org/markup-compatibility/2006" xmlns:p14="http://schemas.microsoft.com/office/powerpoint/2010/main">
+          <mc:Choice Requires="p14">
             <p:contentPart p14:bwMode="auto" r:id="rId62">
               <p14:nvContentPartPr>
                 <p14:cNvPr id="76" name="Ink 75">
@@ -16570,7 +16628,7 @@
               </p14:xfrm>
             </p:contentPart>
           </mc:Choice>
-          <mc:Fallback>
+          <mc:Fallback xmlns="">
             <p:pic>
               <p:nvPicPr>
                 <p:cNvPr id="76" name="Ink 75">
@@ -16601,8 +16659,8 @@
             </p:pic>
           </mc:Fallback>
         </mc:AlternateContent>
-        <mc:AlternateContent xmlns:mc="http://schemas.openxmlformats.org/markup-compatibility/2006">
-          <mc:Choice xmlns:p14="http://schemas.microsoft.com/office/powerpoint/2010/main" Requires="p14">
+        <mc:AlternateContent xmlns:mc="http://schemas.openxmlformats.org/markup-compatibility/2006" xmlns:p14="http://schemas.microsoft.com/office/powerpoint/2010/main">
+          <mc:Choice Requires="p14">
             <p:contentPart p14:bwMode="auto" r:id="rId64">
               <p14:nvContentPartPr>
                 <p14:cNvPr id="77" name="Ink 76">
@@ -16621,7 +16679,7 @@
               </p14:xfrm>
             </p:contentPart>
           </mc:Choice>
-          <mc:Fallback>
+          <mc:Fallback xmlns="">
             <p:pic>
               <p:nvPicPr>
                 <p:cNvPr id="77" name="Ink 76">
@@ -16652,8 +16710,8 @@
             </p:pic>
           </mc:Fallback>
         </mc:AlternateContent>
-        <mc:AlternateContent xmlns:mc="http://schemas.openxmlformats.org/markup-compatibility/2006">
-          <mc:Choice xmlns:p14="http://schemas.microsoft.com/office/powerpoint/2010/main" Requires="p14">
+        <mc:AlternateContent xmlns:mc="http://schemas.openxmlformats.org/markup-compatibility/2006" xmlns:p14="http://schemas.microsoft.com/office/powerpoint/2010/main">
+          <mc:Choice Requires="p14">
             <p:contentPart p14:bwMode="auto" r:id="rId66">
               <p14:nvContentPartPr>
                 <p14:cNvPr id="78" name="Ink 77">
@@ -16672,7 +16730,7 @@
               </p14:xfrm>
             </p:contentPart>
           </mc:Choice>
-          <mc:Fallback>
+          <mc:Fallback xmlns="">
             <p:pic>
               <p:nvPicPr>
                 <p:cNvPr id="78" name="Ink 77">
@@ -16703,8 +16761,8 @@
             </p:pic>
           </mc:Fallback>
         </mc:AlternateContent>
-        <mc:AlternateContent xmlns:mc="http://schemas.openxmlformats.org/markup-compatibility/2006">
-          <mc:Choice xmlns:p14="http://schemas.microsoft.com/office/powerpoint/2010/main" Requires="p14">
+        <mc:AlternateContent xmlns:mc="http://schemas.openxmlformats.org/markup-compatibility/2006" xmlns:p14="http://schemas.microsoft.com/office/powerpoint/2010/main">
+          <mc:Choice Requires="p14">
             <p:contentPart p14:bwMode="auto" r:id="rId68">
               <p14:nvContentPartPr>
                 <p14:cNvPr id="79" name="Ink 78">
@@ -16723,7 +16781,7 @@
               </p14:xfrm>
             </p:contentPart>
           </mc:Choice>
-          <mc:Fallback>
+          <mc:Fallback xmlns="">
             <p:pic>
               <p:nvPicPr>
                 <p:cNvPr id="79" name="Ink 78">
@@ -16754,8 +16812,8 @@
             </p:pic>
           </mc:Fallback>
         </mc:AlternateContent>
-        <mc:AlternateContent xmlns:mc="http://schemas.openxmlformats.org/markup-compatibility/2006">
-          <mc:Choice xmlns:p14="http://schemas.microsoft.com/office/powerpoint/2010/main" Requires="p14">
+        <mc:AlternateContent xmlns:mc="http://schemas.openxmlformats.org/markup-compatibility/2006" xmlns:p14="http://schemas.microsoft.com/office/powerpoint/2010/main">
+          <mc:Choice Requires="p14">
             <p:contentPart p14:bwMode="auto" r:id="rId70">
               <p14:nvContentPartPr>
                 <p14:cNvPr id="82" name="Ink 81">
@@ -16774,7 +16832,7 @@
               </p14:xfrm>
             </p:contentPart>
           </mc:Choice>
-          <mc:Fallback>
+          <mc:Fallback xmlns="">
             <p:pic>
               <p:nvPicPr>
                 <p:cNvPr id="82" name="Ink 81">
@@ -16805,8 +16863,8 @@
             </p:pic>
           </mc:Fallback>
         </mc:AlternateContent>
-        <mc:AlternateContent xmlns:mc="http://schemas.openxmlformats.org/markup-compatibility/2006">
-          <mc:Choice xmlns:p14="http://schemas.microsoft.com/office/powerpoint/2010/main" Requires="p14">
+        <mc:AlternateContent xmlns:mc="http://schemas.openxmlformats.org/markup-compatibility/2006" xmlns:p14="http://schemas.microsoft.com/office/powerpoint/2010/main">
+          <mc:Choice Requires="p14">
             <p:contentPart p14:bwMode="auto" r:id="rId72">
               <p14:nvContentPartPr>
                 <p14:cNvPr id="84" name="Ink 83">
@@ -16825,7 +16883,7 @@
               </p14:xfrm>
             </p:contentPart>
           </mc:Choice>
-          <mc:Fallback>
+          <mc:Fallback xmlns="">
             <p:pic>
               <p:nvPicPr>
                 <p:cNvPr id="84" name="Ink 83">
@@ -16856,8 +16914,8 @@
             </p:pic>
           </mc:Fallback>
         </mc:AlternateContent>
-        <mc:AlternateContent xmlns:mc="http://schemas.openxmlformats.org/markup-compatibility/2006">
-          <mc:Choice xmlns:p14="http://schemas.microsoft.com/office/powerpoint/2010/main" Requires="p14">
+        <mc:AlternateContent xmlns:mc="http://schemas.openxmlformats.org/markup-compatibility/2006" xmlns:p14="http://schemas.microsoft.com/office/powerpoint/2010/main">
+          <mc:Choice Requires="p14">
             <p:contentPart p14:bwMode="auto" r:id="rId74">
               <p14:nvContentPartPr>
                 <p14:cNvPr id="85" name="Ink 84">
@@ -16876,7 +16934,7 @@
               </p14:xfrm>
             </p:contentPart>
           </mc:Choice>
-          <mc:Fallback>
+          <mc:Fallback xmlns="">
             <p:pic>
               <p:nvPicPr>
                 <p:cNvPr id="85" name="Ink 84">
@@ -16907,8 +16965,8 @@
             </p:pic>
           </mc:Fallback>
         </mc:AlternateContent>
-        <mc:AlternateContent xmlns:mc="http://schemas.openxmlformats.org/markup-compatibility/2006">
-          <mc:Choice xmlns:p14="http://schemas.microsoft.com/office/powerpoint/2010/main" Requires="p14">
+        <mc:AlternateContent xmlns:mc="http://schemas.openxmlformats.org/markup-compatibility/2006" xmlns:p14="http://schemas.microsoft.com/office/powerpoint/2010/main">
+          <mc:Choice Requires="p14">
             <p:contentPart p14:bwMode="auto" r:id="rId76">
               <p14:nvContentPartPr>
                 <p14:cNvPr id="87" name="Ink 86">
@@ -16927,7 +16985,7 @@
               </p14:xfrm>
             </p:contentPart>
           </mc:Choice>
-          <mc:Fallback>
+          <mc:Fallback xmlns="">
             <p:pic>
               <p:nvPicPr>
                 <p:cNvPr id="87" name="Ink 86">
@@ -17057,8 +17115,8 @@
             <a:chExt cx="8556120" cy="1764720"/>
           </a:xfrm>
         </p:grpSpPr>
-        <mc:AlternateContent xmlns:mc="http://schemas.openxmlformats.org/markup-compatibility/2006">
-          <mc:Choice xmlns:p14="http://schemas.microsoft.com/office/powerpoint/2010/main" Requires="p14">
+        <mc:AlternateContent xmlns:mc="http://schemas.openxmlformats.org/markup-compatibility/2006" xmlns:p14="http://schemas.microsoft.com/office/powerpoint/2010/main">
+          <mc:Choice Requires="p14">
             <p:contentPart p14:bwMode="auto" r:id="rId2">
               <p14:nvContentPartPr>
                 <p14:cNvPr id="30" name="Ink 29">
@@ -17077,7 +17135,7 @@
               </p14:xfrm>
             </p:contentPart>
           </mc:Choice>
-          <mc:Fallback>
+          <mc:Fallback xmlns="">
             <p:pic>
               <p:nvPicPr>
                 <p:cNvPr id="30" name="Ink 29">
@@ -17108,8 +17166,8 @@
             </p:pic>
           </mc:Fallback>
         </mc:AlternateContent>
-        <mc:AlternateContent xmlns:mc="http://schemas.openxmlformats.org/markup-compatibility/2006">
-          <mc:Choice xmlns:p14="http://schemas.microsoft.com/office/powerpoint/2010/main" Requires="p14">
+        <mc:AlternateContent xmlns:mc="http://schemas.openxmlformats.org/markup-compatibility/2006" xmlns:p14="http://schemas.microsoft.com/office/powerpoint/2010/main">
+          <mc:Choice Requires="p14">
             <p:contentPart p14:bwMode="auto" r:id="rId4">
               <p14:nvContentPartPr>
                 <p14:cNvPr id="31" name="Ink 30">
@@ -17128,7 +17186,7 @@
               </p14:xfrm>
             </p:contentPart>
           </mc:Choice>
-          <mc:Fallback>
+          <mc:Fallback xmlns="">
             <p:pic>
               <p:nvPicPr>
                 <p:cNvPr id="31" name="Ink 30">
@@ -17159,8 +17217,8 @@
             </p:pic>
           </mc:Fallback>
         </mc:AlternateContent>
-        <mc:AlternateContent xmlns:mc="http://schemas.openxmlformats.org/markup-compatibility/2006">
-          <mc:Choice xmlns:p14="http://schemas.microsoft.com/office/powerpoint/2010/main" Requires="p14">
+        <mc:AlternateContent xmlns:mc="http://schemas.openxmlformats.org/markup-compatibility/2006" xmlns:p14="http://schemas.microsoft.com/office/powerpoint/2010/main">
+          <mc:Choice Requires="p14">
             <p:contentPart p14:bwMode="auto" r:id="rId6">
               <p14:nvContentPartPr>
                 <p14:cNvPr id="32" name="Ink 31">
@@ -17179,7 +17237,7 @@
               </p14:xfrm>
             </p:contentPart>
           </mc:Choice>
-          <mc:Fallback>
+          <mc:Fallback xmlns="">
             <p:pic>
               <p:nvPicPr>
                 <p:cNvPr id="32" name="Ink 31">
@@ -17210,8 +17268,8 @@
             </p:pic>
           </mc:Fallback>
         </mc:AlternateContent>
-        <mc:AlternateContent xmlns:mc="http://schemas.openxmlformats.org/markup-compatibility/2006">
-          <mc:Choice xmlns:p14="http://schemas.microsoft.com/office/powerpoint/2010/main" Requires="p14">
+        <mc:AlternateContent xmlns:mc="http://schemas.openxmlformats.org/markup-compatibility/2006" xmlns:p14="http://schemas.microsoft.com/office/powerpoint/2010/main">
+          <mc:Choice Requires="p14">
             <p:contentPart p14:bwMode="auto" r:id="rId8">
               <p14:nvContentPartPr>
                 <p14:cNvPr id="34" name="Ink 33">
@@ -17230,7 +17288,7 @@
               </p14:xfrm>
             </p:contentPart>
           </mc:Choice>
-          <mc:Fallback>
+          <mc:Fallback xmlns="">
             <p:pic>
               <p:nvPicPr>
                 <p:cNvPr id="34" name="Ink 33">
@@ -17261,8 +17319,8 @@
             </p:pic>
           </mc:Fallback>
         </mc:AlternateContent>
-        <mc:AlternateContent xmlns:mc="http://schemas.openxmlformats.org/markup-compatibility/2006">
-          <mc:Choice xmlns:p14="http://schemas.microsoft.com/office/powerpoint/2010/main" Requires="p14">
+        <mc:AlternateContent xmlns:mc="http://schemas.openxmlformats.org/markup-compatibility/2006" xmlns:p14="http://schemas.microsoft.com/office/powerpoint/2010/main">
+          <mc:Choice Requires="p14">
             <p:contentPart p14:bwMode="auto" r:id="rId10">
               <p14:nvContentPartPr>
                 <p14:cNvPr id="35" name="Ink 34">
@@ -17281,7 +17339,7 @@
               </p14:xfrm>
             </p:contentPart>
           </mc:Choice>
-          <mc:Fallback>
+          <mc:Fallback xmlns="">
             <p:pic>
               <p:nvPicPr>
                 <p:cNvPr id="35" name="Ink 34">
@@ -17312,8 +17370,8 @@
             </p:pic>
           </mc:Fallback>
         </mc:AlternateContent>
-        <mc:AlternateContent xmlns:mc="http://schemas.openxmlformats.org/markup-compatibility/2006">
-          <mc:Choice xmlns:p14="http://schemas.microsoft.com/office/powerpoint/2010/main" Requires="p14">
+        <mc:AlternateContent xmlns:mc="http://schemas.openxmlformats.org/markup-compatibility/2006" xmlns:p14="http://schemas.microsoft.com/office/powerpoint/2010/main">
+          <mc:Choice Requires="p14">
             <p:contentPart p14:bwMode="auto" r:id="rId12">
               <p14:nvContentPartPr>
                 <p14:cNvPr id="36" name="Ink 35">
@@ -17332,7 +17390,7 @@
               </p14:xfrm>
             </p:contentPart>
           </mc:Choice>
-          <mc:Fallback>
+          <mc:Fallback xmlns="">
             <p:pic>
               <p:nvPicPr>
                 <p:cNvPr id="36" name="Ink 35">
@@ -17363,8 +17421,8 @@
             </p:pic>
           </mc:Fallback>
         </mc:AlternateContent>
-        <mc:AlternateContent xmlns:mc="http://schemas.openxmlformats.org/markup-compatibility/2006">
-          <mc:Choice xmlns:p14="http://schemas.microsoft.com/office/powerpoint/2010/main" Requires="p14">
+        <mc:AlternateContent xmlns:mc="http://schemas.openxmlformats.org/markup-compatibility/2006" xmlns:p14="http://schemas.microsoft.com/office/powerpoint/2010/main">
+          <mc:Choice Requires="p14">
             <p:contentPart p14:bwMode="auto" r:id="rId14">
               <p14:nvContentPartPr>
                 <p14:cNvPr id="37" name="Ink 36">
@@ -17383,7 +17441,7 @@
               </p14:xfrm>
             </p:contentPart>
           </mc:Choice>
-          <mc:Fallback>
+          <mc:Fallback xmlns="">
             <p:pic>
               <p:nvPicPr>
                 <p:cNvPr id="37" name="Ink 36">
@@ -17414,8 +17472,8 @@
             </p:pic>
           </mc:Fallback>
         </mc:AlternateContent>
-        <mc:AlternateContent xmlns:mc="http://schemas.openxmlformats.org/markup-compatibility/2006">
-          <mc:Choice xmlns:p14="http://schemas.microsoft.com/office/powerpoint/2010/main" Requires="p14">
+        <mc:AlternateContent xmlns:mc="http://schemas.openxmlformats.org/markup-compatibility/2006" xmlns:p14="http://schemas.microsoft.com/office/powerpoint/2010/main">
+          <mc:Choice Requires="p14">
             <p:contentPart p14:bwMode="auto" r:id="rId16">
               <p14:nvContentPartPr>
                 <p14:cNvPr id="38" name="Ink 37">
@@ -17434,7 +17492,7 @@
               </p14:xfrm>
             </p:contentPart>
           </mc:Choice>
-          <mc:Fallback>
+          <mc:Fallback xmlns="">
             <p:pic>
               <p:nvPicPr>
                 <p:cNvPr id="38" name="Ink 37">
@@ -17465,8 +17523,8 @@
             </p:pic>
           </mc:Fallback>
         </mc:AlternateContent>
-        <mc:AlternateContent xmlns:mc="http://schemas.openxmlformats.org/markup-compatibility/2006">
-          <mc:Choice xmlns:p14="http://schemas.microsoft.com/office/powerpoint/2010/main" Requires="p14">
+        <mc:AlternateContent xmlns:mc="http://schemas.openxmlformats.org/markup-compatibility/2006" xmlns:p14="http://schemas.microsoft.com/office/powerpoint/2010/main">
+          <mc:Choice Requires="p14">
             <p:contentPart p14:bwMode="auto" r:id="rId18">
               <p14:nvContentPartPr>
                 <p14:cNvPr id="39" name="Ink 38">
@@ -17485,7 +17543,7 @@
               </p14:xfrm>
             </p:contentPart>
           </mc:Choice>
-          <mc:Fallback>
+          <mc:Fallback xmlns="">
             <p:pic>
               <p:nvPicPr>
                 <p:cNvPr id="39" name="Ink 38">
@@ -17516,8 +17574,8 @@
             </p:pic>
           </mc:Fallback>
         </mc:AlternateContent>
-        <mc:AlternateContent xmlns:mc="http://schemas.openxmlformats.org/markup-compatibility/2006">
-          <mc:Choice xmlns:p14="http://schemas.microsoft.com/office/powerpoint/2010/main" Requires="p14">
+        <mc:AlternateContent xmlns:mc="http://schemas.openxmlformats.org/markup-compatibility/2006" xmlns:p14="http://schemas.microsoft.com/office/powerpoint/2010/main">
+          <mc:Choice Requires="p14">
             <p:contentPart p14:bwMode="auto" r:id="rId20">
               <p14:nvContentPartPr>
                 <p14:cNvPr id="41" name="Ink 40">
@@ -17536,7 +17594,7 @@
               </p14:xfrm>
             </p:contentPart>
           </mc:Choice>
-          <mc:Fallback>
+          <mc:Fallback xmlns="">
             <p:pic>
               <p:nvPicPr>
                 <p:cNvPr id="41" name="Ink 40">
@@ -17567,8 +17625,8 @@
             </p:pic>
           </mc:Fallback>
         </mc:AlternateContent>
-        <mc:AlternateContent xmlns:mc="http://schemas.openxmlformats.org/markup-compatibility/2006">
-          <mc:Choice xmlns:p14="http://schemas.microsoft.com/office/powerpoint/2010/main" Requires="p14">
+        <mc:AlternateContent xmlns:mc="http://schemas.openxmlformats.org/markup-compatibility/2006" xmlns:p14="http://schemas.microsoft.com/office/powerpoint/2010/main">
+          <mc:Choice Requires="p14">
             <p:contentPart p14:bwMode="auto" r:id="rId22">
               <p14:nvContentPartPr>
                 <p14:cNvPr id="42" name="Ink 41">
@@ -17587,7 +17645,7 @@
               </p14:xfrm>
             </p:contentPart>
           </mc:Choice>
-          <mc:Fallback>
+          <mc:Fallback xmlns="">
             <p:pic>
               <p:nvPicPr>
                 <p:cNvPr id="42" name="Ink 41">
@@ -17618,8 +17676,8 @@
             </p:pic>
           </mc:Fallback>
         </mc:AlternateContent>
-        <mc:AlternateContent xmlns:mc="http://schemas.openxmlformats.org/markup-compatibility/2006">
-          <mc:Choice xmlns:p14="http://schemas.microsoft.com/office/powerpoint/2010/main" Requires="p14">
+        <mc:AlternateContent xmlns:mc="http://schemas.openxmlformats.org/markup-compatibility/2006" xmlns:p14="http://schemas.microsoft.com/office/powerpoint/2010/main">
+          <mc:Choice Requires="p14">
             <p:contentPart p14:bwMode="auto" r:id="rId24">
               <p14:nvContentPartPr>
                 <p14:cNvPr id="44" name="Ink 43">
@@ -17638,7 +17696,7 @@
               </p14:xfrm>
             </p:contentPart>
           </mc:Choice>
-          <mc:Fallback>
+          <mc:Fallback xmlns="">
             <p:pic>
               <p:nvPicPr>
                 <p:cNvPr id="44" name="Ink 43">
@@ -17669,8 +17727,8 @@
             </p:pic>
           </mc:Fallback>
         </mc:AlternateContent>
-        <mc:AlternateContent xmlns:mc="http://schemas.openxmlformats.org/markup-compatibility/2006">
-          <mc:Choice xmlns:p14="http://schemas.microsoft.com/office/powerpoint/2010/main" Requires="p14">
+        <mc:AlternateContent xmlns:mc="http://schemas.openxmlformats.org/markup-compatibility/2006" xmlns:p14="http://schemas.microsoft.com/office/powerpoint/2010/main">
+          <mc:Choice Requires="p14">
             <p:contentPart p14:bwMode="auto" r:id="rId26">
               <p14:nvContentPartPr>
                 <p14:cNvPr id="45" name="Ink 44">
@@ -17689,7 +17747,7 @@
               </p14:xfrm>
             </p:contentPart>
           </mc:Choice>
-          <mc:Fallback>
+          <mc:Fallback xmlns="">
             <p:pic>
               <p:nvPicPr>
                 <p:cNvPr id="45" name="Ink 44">
@@ -17720,8 +17778,8 @@
             </p:pic>
           </mc:Fallback>
         </mc:AlternateContent>
-        <mc:AlternateContent xmlns:mc="http://schemas.openxmlformats.org/markup-compatibility/2006">
-          <mc:Choice xmlns:p14="http://schemas.microsoft.com/office/powerpoint/2010/main" Requires="p14">
+        <mc:AlternateContent xmlns:mc="http://schemas.openxmlformats.org/markup-compatibility/2006" xmlns:p14="http://schemas.microsoft.com/office/powerpoint/2010/main">
+          <mc:Choice Requires="p14">
             <p:contentPart p14:bwMode="auto" r:id="rId28">
               <p14:nvContentPartPr>
                 <p14:cNvPr id="47" name="Ink 46">
@@ -17740,7 +17798,7 @@
               </p14:xfrm>
             </p:contentPart>
           </mc:Choice>
-          <mc:Fallback>
+          <mc:Fallback xmlns="">
             <p:pic>
               <p:nvPicPr>
                 <p:cNvPr id="47" name="Ink 46">
@@ -17771,8 +17829,8 @@
             </p:pic>
           </mc:Fallback>
         </mc:AlternateContent>
-        <mc:AlternateContent xmlns:mc="http://schemas.openxmlformats.org/markup-compatibility/2006">
-          <mc:Choice xmlns:p14="http://schemas.microsoft.com/office/powerpoint/2010/main" Requires="p14">
+        <mc:AlternateContent xmlns:mc="http://schemas.openxmlformats.org/markup-compatibility/2006" xmlns:p14="http://schemas.microsoft.com/office/powerpoint/2010/main">
+          <mc:Choice Requires="p14">
             <p:contentPart p14:bwMode="auto" r:id="rId30">
               <p14:nvContentPartPr>
                 <p14:cNvPr id="48" name="Ink 47">
@@ -17791,7 +17849,7 @@
               </p14:xfrm>
             </p:contentPart>
           </mc:Choice>
-          <mc:Fallback>
+          <mc:Fallback xmlns="">
             <p:pic>
               <p:nvPicPr>
                 <p:cNvPr id="48" name="Ink 47">
@@ -17822,8 +17880,8 @@
             </p:pic>
           </mc:Fallback>
         </mc:AlternateContent>
-        <mc:AlternateContent xmlns:mc="http://schemas.openxmlformats.org/markup-compatibility/2006">
-          <mc:Choice xmlns:p14="http://schemas.microsoft.com/office/powerpoint/2010/main" Requires="p14">
+        <mc:AlternateContent xmlns:mc="http://schemas.openxmlformats.org/markup-compatibility/2006" xmlns:p14="http://schemas.microsoft.com/office/powerpoint/2010/main">
+          <mc:Choice Requires="p14">
             <p:contentPart p14:bwMode="auto" r:id="rId32">
               <p14:nvContentPartPr>
                 <p14:cNvPr id="50" name="Ink 49">
@@ -17842,7 +17900,7 @@
               </p14:xfrm>
             </p:contentPart>
           </mc:Choice>
-          <mc:Fallback>
+          <mc:Fallback xmlns="">
             <p:pic>
               <p:nvPicPr>
                 <p:cNvPr id="50" name="Ink 49">
@@ -17873,8 +17931,8 @@
             </p:pic>
           </mc:Fallback>
         </mc:AlternateContent>
-        <mc:AlternateContent xmlns:mc="http://schemas.openxmlformats.org/markup-compatibility/2006">
-          <mc:Choice xmlns:p14="http://schemas.microsoft.com/office/powerpoint/2010/main" Requires="p14">
+        <mc:AlternateContent xmlns:mc="http://schemas.openxmlformats.org/markup-compatibility/2006" xmlns:p14="http://schemas.microsoft.com/office/powerpoint/2010/main">
+          <mc:Choice Requires="p14">
             <p:contentPart p14:bwMode="auto" r:id="rId34">
               <p14:nvContentPartPr>
                 <p14:cNvPr id="51" name="Ink 50">
@@ -17893,7 +17951,7 @@
               </p14:xfrm>
             </p:contentPart>
           </mc:Choice>
-          <mc:Fallback>
+          <mc:Fallback xmlns="">
             <p:pic>
               <p:nvPicPr>
                 <p:cNvPr id="51" name="Ink 50">
@@ -17924,8 +17982,8 @@
             </p:pic>
           </mc:Fallback>
         </mc:AlternateContent>
-        <mc:AlternateContent xmlns:mc="http://schemas.openxmlformats.org/markup-compatibility/2006">
-          <mc:Choice xmlns:p14="http://schemas.microsoft.com/office/powerpoint/2010/main" Requires="p14">
+        <mc:AlternateContent xmlns:mc="http://schemas.openxmlformats.org/markup-compatibility/2006" xmlns:p14="http://schemas.microsoft.com/office/powerpoint/2010/main">
+          <mc:Choice Requires="p14">
             <p:contentPart p14:bwMode="auto" r:id="rId36">
               <p14:nvContentPartPr>
                 <p14:cNvPr id="53" name="Ink 52">
@@ -17944,7 +18002,7 @@
               </p14:xfrm>
             </p:contentPart>
           </mc:Choice>
-          <mc:Fallback>
+          <mc:Fallback xmlns="">
             <p:pic>
               <p:nvPicPr>
                 <p:cNvPr id="53" name="Ink 52">
@@ -17975,8 +18033,8 @@
             </p:pic>
           </mc:Fallback>
         </mc:AlternateContent>
-        <mc:AlternateContent xmlns:mc="http://schemas.openxmlformats.org/markup-compatibility/2006">
-          <mc:Choice xmlns:p14="http://schemas.microsoft.com/office/powerpoint/2010/main" Requires="p14">
+        <mc:AlternateContent xmlns:mc="http://schemas.openxmlformats.org/markup-compatibility/2006" xmlns:p14="http://schemas.microsoft.com/office/powerpoint/2010/main">
+          <mc:Choice Requires="p14">
             <p:contentPart p14:bwMode="auto" r:id="rId38">
               <p14:nvContentPartPr>
                 <p14:cNvPr id="54" name="Ink 53">
@@ -17995,7 +18053,7 @@
               </p14:xfrm>
             </p:contentPart>
           </mc:Choice>
-          <mc:Fallback>
+          <mc:Fallback xmlns="">
             <p:pic>
               <p:nvPicPr>
                 <p:cNvPr id="54" name="Ink 53">
@@ -18026,8 +18084,8 @@
             </p:pic>
           </mc:Fallback>
         </mc:AlternateContent>
-        <mc:AlternateContent xmlns:mc="http://schemas.openxmlformats.org/markup-compatibility/2006">
-          <mc:Choice xmlns:p14="http://schemas.microsoft.com/office/powerpoint/2010/main" Requires="p14">
+        <mc:AlternateContent xmlns:mc="http://schemas.openxmlformats.org/markup-compatibility/2006" xmlns:p14="http://schemas.microsoft.com/office/powerpoint/2010/main">
+          <mc:Choice Requires="p14">
             <p:contentPart p14:bwMode="auto" r:id="rId40">
               <p14:nvContentPartPr>
                 <p14:cNvPr id="55" name="Ink 54">
@@ -18046,7 +18104,7 @@
               </p14:xfrm>
             </p:contentPart>
           </mc:Choice>
-          <mc:Fallback>
+          <mc:Fallback xmlns="">
             <p:pic>
               <p:nvPicPr>
                 <p:cNvPr id="55" name="Ink 54">
@@ -18098,8 +18156,8 @@
             <a:chExt cx="5348520" cy="1586160"/>
           </a:xfrm>
         </p:grpSpPr>
-        <mc:AlternateContent xmlns:mc="http://schemas.openxmlformats.org/markup-compatibility/2006">
-          <mc:Choice xmlns:p14="http://schemas.microsoft.com/office/powerpoint/2010/main" Requires="p14">
+        <mc:AlternateContent xmlns:mc="http://schemas.openxmlformats.org/markup-compatibility/2006" xmlns:p14="http://schemas.microsoft.com/office/powerpoint/2010/main">
+          <mc:Choice Requires="p14">
             <p:contentPart p14:bwMode="auto" r:id="rId42">
               <p14:nvContentPartPr>
                 <p14:cNvPr id="57" name="Ink 56">
@@ -18118,7 +18176,7 @@
               </p14:xfrm>
             </p:contentPart>
           </mc:Choice>
-          <mc:Fallback>
+          <mc:Fallback xmlns="">
             <p:pic>
               <p:nvPicPr>
                 <p:cNvPr id="57" name="Ink 56">
@@ -18149,8 +18207,8 @@
             </p:pic>
           </mc:Fallback>
         </mc:AlternateContent>
-        <mc:AlternateContent xmlns:mc="http://schemas.openxmlformats.org/markup-compatibility/2006">
-          <mc:Choice xmlns:p14="http://schemas.microsoft.com/office/powerpoint/2010/main" Requires="p14">
+        <mc:AlternateContent xmlns:mc="http://schemas.openxmlformats.org/markup-compatibility/2006" xmlns:p14="http://schemas.microsoft.com/office/powerpoint/2010/main">
+          <mc:Choice Requires="p14">
             <p:contentPart p14:bwMode="auto" r:id="rId44">
               <p14:nvContentPartPr>
                 <p14:cNvPr id="58" name="Ink 57">
@@ -18169,7 +18227,7 @@
               </p14:xfrm>
             </p:contentPart>
           </mc:Choice>
-          <mc:Fallback>
+          <mc:Fallback xmlns="">
             <p:pic>
               <p:nvPicPr>
                 <p:cNvPr id="58" name="Ink 57">
@@ -18200,8 +18258,8 @@
             </p:pic>
           </mc:Fallback>
         </mc:AlternateContent>
-        <mc:AlternateContent xmlns:mc="http://schemas.openxmlformats.org/markup-compatibility/2006">
-          <mc:Choice xmlns:p14="http://schemas.microsoft.com/office/powerpoint/2010/main" Requires="p14">
+        <mc:AlternateContent xmlns:mc="http://schemas.openxmlformats.org/markup-compatibility/2006" xmlns:p14="http://schemas.microsoft.com/office/powerpoint/2010/main">
+          <mc:Choice Requires="p14">
             <p:contentPart p14:bwMode="auto" r:id="rId46">
               <p14:nvContentPartPr>
                 <p14:cNvPr id="59" name="Ink 58">
@@ -18220,7 +18278,7 @@
               </p14:xfrm>
             </p:contentPart>
           </mc:Choice>
-          <mc:Fallback>
+          <mc:Fallback xmlns="">
             <p:pic>
               <p:nvPicPr>
                 <p:cNvPr id="59" name="Ink 58">
@@ -18251,8 +18309,8 @@
             </p:pic>
           </mc:Fallback>
         </mc:AlternateContent>
-        <mc:AlternateContent xmlns:mc="http://schemas.openxmlformats.org/markup-compatibility/2006">
-          <mc:Choice xmlns:p14="http://schemas.microsoft.com/office/powerpoint/2010/main" Requires="p14">
+        <mc:AlternateContent xmlns:mc="http://schemas.openxmlformats.org/markup-compatibility/2006" xmlns:p14="http://schemas.microsoft.com/office/powerpoint/2010/main">
+          <mc:Choice Requires="p14">
             <p:contentPart p14:bwMode="auto" r:id="rId48">
               <p14:nvContentPartPr>
                 <p14:cNvPr id="60" name="Ink 59">
@@ -18271,7 +18329,7 @@
               </p14:xfrm>
             </p:contentPart>
           </mc:Choice>
-          <mc:Fallback>
+          <mc:Fallback xmlns="">
             <p:pic>
               <p:nvPicPr>
                 <p:cNvPr id="60" name="Ink 59">
@@ -18302,8 +18360,8 @@
             </p:pic>
           </mc:Fallback>
         </mc:AlternateContent>
-        <mc:AlternateContent xmlns:mc="http://schemas.openxmlformats.org/markup-compatibility/2006">
-          <mc:Choice xmlns:p14="http://schemas.microsoft.com/office/powerpoint/2010/main" Requires="p14">
+        <mc:AlternateContent xmlns:mc="http://schemas.openxmlformats.org/markup-compatibility/2006" xmlns:p14="http://schemas.microsoft.com/office/powerpoint/2010/main">
+          <mc:Choice Requires="p14">
             <p:contentPart p14:bwMode="auto" r:id="rId50">
               <p14:nvContentPartPr>
                 <p14:cNvPr id="61" name="Ink 60">
@@ -18322,7 +18380,7 @@
               </p14:xfrm>
             </p:contentPart>
           </mc:Choice>
-          <mc:Fallback>
+          <mc:Fallback xmlns="">
             <p:pic>
               <p:nvPicPr>
                 <p:cNvPr id="61" name="Ink 60">
@@ -18353,8 +18411,8 @@
             </p:pic>
           </mc:Fallback>
         </mc:AlternateContent>
-        <mc:AlternateContent xmlns:mc="http://schemas.openxmlformats.org/markup-compatibility/2006">
-          <mc:Choice xmlns:p14="http://schemas.microsoft.com/office/powerpoint/2010/main" Requires="p14">
+        <mc:AlternateContent xmlns:mc="http://schemas.openxmlformats.org/markup-compatibility/2006" xmlns:p14="http://schemas.microsoft.com/office/powerpoint/2010/main">
+          <mc:Choice Requires="p14">
             <p:contentPart p14:bwMode="auto" r:id="rId52">
               <p14:nvContentPartPr>
                 <p14:cNvPr id="63" name="Ink 62">
@@ -18373,7 +18431,7 @@
               </p14:xfrm>
             </p:contentPart>
           </mc:Choice>
-          <mc:Fallback>
+          <mc:Fallback xmlns="">
             <p:pic>
               <p:nvPicPr>
                 <p:cNvPr id="63" name="Ink 62">
@@ -18404,8 +18462,8 @@
             </p:pic>
           </mc:Fallback>
         </mc:AlternateContent>
-        <mc:AlternateContent xmlns:mc="http://schemas.openxmlformats.org/markup-compatibility/2006">
-          <mc:Choice xmlns:p14="http://schemas.microsoft.com/office/powerpoint/2010/main" Requires="p14">
+        <mc:AlternateContent xmlns:mc="http://schemas.openxmlformats.org/markup-compatibility/2006" xmlns:p14="http://schemas.microsoft.com/office/powerpoint/2010/main">
+          <mc:Choice Requires="p14">
             <p:contentPart p14:bwMode="auto" r:id="rId54">
               <p14:nvContentPartPr>
                 <p14:cNvPr id="64" name="Ink 63">
@@ -18424,7 +18482,7 @@
               </p14:xfrm>
             </p:contentPart>
           </mc:Choice>
-          <mc:Fallback>
+          <mc:Fallback xmlns="">
             <p:pic>
               <p:nvPicPr>
                 <p:cNvPr id="64" name="Ink 63">
@@ -18455,8 +18513,8 @@
             </p:pic>
           </mc:Fallback>
         </mc:AlternateContent>
-        <mc:AlternateContent xmlns:mc="http://schemas.openxmlformats.org/markup-compatibility/2006">
-          <mc:Choice xmlns:p14="http://schemas.microsoft.com/office/powerpoint/2010/main" Requires="p14">
+        <mc:AlternateContent xmlns:mc="http://schemas.openxmlformats.org/markup-compatibility/2006" xmlns:p14="http://schemas.microsoft.com/office/powerpoint/2010/main">
+          <mc:Choice Requires="p14">
             <p:contentPart p14:bwMode="auto" r:id="rId56">
               <p14:nvContentPartPr>
                 <p14:cNvPr id="66" name="Ink 65">
@@ -18475,7 +18533,7 @@
               </p14:xfrm>
             </p:contentPart>
           </mc:Choice>
-          <mc:Fallback>
+          <mc:Fallback xmlns="">
             <p:pic>
               <p:nvPicPr>
                 <p:cNvPr id="66" name="Ink 65">
@@ -18506,8 +18564,8 @@
             </p:pic>
           </mc:Fallback>
         </mc:AlternateContent>
-        <mc:AlternateContent xmlns:mc="http://schemas.openxmlformats.org/markup-compatibility/2006">
-          <mc:Choice xmlns:p14="http://schemas.microsoft.com/office/powerpoint/2010/main" Requires="p14">
+        <mc:AlternateContent xmlns:mc="http://schemas.openxmlformats.org/markup-compatibility/2006" xmlns:p14="http://schemas.microsoft.com/office/powerpoint/2010/main">
+          <mc:Choice Requires="p14">
             <p:contentPart p14:bwMode="auto" r:id="rId58">
               <p14:nvContentPartPr>
                 <p14:cNvPr id="67" name="Ink 66">
@@ -18526,7 +18584,7 @@
               </p14:xfrm>
             </p:contentPart>
           </mc:Choice>
-          <mc:Fallback>
+          <mc:Fallback xmlns="">
             <p:pic>
               <p:nvPicPr>
                 <p:cNvPr id="67" name="Ink 66">
@@ -18557,8 +18615,8 @@
             </p:pic>
           </mc:Fallback>
         </mc:AlternateContent>
-        <mc:AlternateContent xmlns:mc="http://schemas.openxmlformats.org/markup-compatibility/2006">
-          <mc:Choice xmlns:p14="http://schemas.microsoft.com/office/powerpoint/2010/main" Requires="p14">
+        <mc:AlternateContent xmlns:mc="http://schemas.openxmlformats.org/markup-compatibility/2006" xmlns:p14="http://schemas.microsoft.com/office/powerpoint/2010/main">
+          <mc:Choice Requires="p14">
             <p:contentPart p14:bwMode="auto" r:id="rId60">
               <p14:nvContentPartPr>
                 <p14:cNvPr id="68" name="Ink 67">
@@ -18577,7 +18635,7 @@
               </p14:xfrm>
             </p:contentPart>
           </mc:Choice>
-          <mc:Fallback>
+          <mc:Fallback xmlns="">
             <p:pic>
               <p:nvPicPr>
                 <p:cNvPr id="68" name="Ink 67">
@@ -18608,8 +18666,8 @@
             </p:pic>
           </mc:Fallback>
         </mc:AlternateContent>
-        <mc:AlternateContent xmlns:mc="http://schemas.openxmlformats.org/markup-compatibility/2006">
-          <mc:Choice xmlns:p14="http://schemas.microsoft.com/office/powerpoint/2010/main" Requires="p14">
+        <mc:AlternateContent xmlns:mc="http://schemas.openxmlformats.org/markup-compatibility/2006" xmlns:p14="http://schemas.microsoft.com/office/powerpoint/2010/main">
+          <mc:Choice Requires="p14">
             <p:contentPart p14:bwMode="auto" r:id="rId62">
               <p14:nvContentPartPr>
                 <p14:cNvPr id="70" name="Ink 69">
@@ -18628,7 +18686,7 @@
               </p14:xfrm>
             </p:contentPart>
           </mc:Choice>
-          <mc:Fallback>
+          <mc:Fallback xmlns="">
             <p:pic>
               <p:nvPicPr>
                 <p:cNvPr id="70" name="Ink 69">
@@ -18659,8 +18717,8 @@
             </p:pic>
           </mc:Fallback>
         </mc:AlternateContent>
-        <mc:AlternateContent xmlns:mc="http://schemas.openxmlformats.org/markup-compatibility/2006">
-          <mc:Choice xmlns:p14="http://schemas.microsoft.com/office/powerpoint/2010/main" Requires="p14">
+        <mc:AlternateContent xmlns:mc="http://schemas.openxmlformats.org/markup-compatibility/2006" xmlns:p14="http://schemas.microsoft.com/office/powerpoint/2010/main">
+          <mc:Choice Requires="p14">
             <p:contentPart p14:bwMode="auto" r:id="rId64">
               <p14:nvContentPartPr>
                 <p14:cNvPr id="71" name="Ink 70">
@@ -18679,7 +18737,7 @@
               </p14:xfrm>
             </p:contentPart>
           </mc:Choice>
-          <mc:Fallback>
+          <mc:Fallback xmlns="">
             <p:pic>
               <p:nvPicPr>
                 <p:cNvPr id="71" name="Ink 70">
@@ -18710,8 +18768,8 @@
             </p:pic>
           </mc:Fallback>
         </mc:AlternateContent>
-        <mc:AlternateContent xmlns:mc="http://schemas.openxmlformats.org/markup-compatibility/2006">
-          <mc:Choice xmlns:p14="http://schemas.microsoft.com/office/powerpoint/2010/main" Requires="p14">
+        <mc:AlternateContent xmlns:mc="http://schemas.openxmlformats.org/markup-compatibility/2006" xmlns:p14="http://schemas.microsoft.com/office/powerpoint/2010/main">
+          <mc:Choice Requires="p14">
             <p:contentPart p14:bwMode="auto" r:id="rId66">
               <p14:nvContentPartPr>
                 <p14:cNvPr id="72" name="Ink 71">
@@ -18730,7 +18788,7 @@
               </p14:xfrm>
             </p:contentPart>
           </mc:Choice>
-          <mc:Fallback>
+          <mc:Fallback xmlns="">
             <p:pic>
               <p:nvPicPr>
                 <p:cNvPr id="72" name="Ink 71">
@@ -18761,8 +18819,8 @@
             </p:pic>
           </mc:Fallback>
         </mc:AlternateContent>
-        <mc:AlternateContent xmlns:mc="http://schemas.openxmlformats.org/markup-compatibility/2006">
-          <mc:Choice xmlns:p14="http://schemas.microsoft.com/office/powerpoint/2010/main" Requires="p14">
+        <mc:AlternateContent xmlns:mc="http://schemas.openxmlformats.org/markup-compatibility/2006" xmlns:p14="http://schemas.microsoft.com/office/powerpoint/2010/main">
+          <mc:Choice Requires="p14">
             <p:contentPart p14:bwMode="auto" r:id="rId68">
               <p14:nvContentPartPr>
                 <p14:cNvPr id="73" name="Ink 72">
@@ -18781,7 +18839,7 @@
               </p14:xfrm>
             </p:contentPart>
           </mc:Choice>
-          <mc:Fallback>
+          <mc:Fallback xmlns="">
             <p:pic>
               <p:nvPicPr>
                 <p:cNvPr id="73" name="Ink 72">
@@ -18813,8 +18871,8 @@
           </mc:Fallback>
         </mc:AlternateContent>
       </p:grpSp>
-      <mc:AlternateContent xmlns:mc="http://schemas.openxmlformats.org/markup-compatibility/2006">
-        <mc:Choice xmlns:p14="http://schemas.microsoft.com/office/powerpoint/2010/main" Requires="p14">
+      <mc:AlternateContent xmlns:mc="http://schemas.openxmlformats.org/markup-compatibility/2006" xmlns:p14="http://schemas.microsoft.com/office/powerpoint/2010/main">
+        <mc:Choice Requires="p14">
           <p:contentPart p14:bwMode="auto" r:id="rId70">
             <p14:nvContentPartPr>
               <p14:cNvPr id="78" name="Ink 77">
@@ -18833,7 +18891,7 @@
             </p14:xfrm>
           </p:contentPart>
         </mc:Choice>
-        <mc:Fallback>
+        <mc:Fallback xmlns="">
           <p:pic>
             <p:nvPicPr>
               <p:cNvPr id="78" name="Ink 77">
@@ -18864,8 +18922,8 @@
           </p:pic>
         </mc:Fallback>
       </mc:AlternateContent>
-      <mc:AlternateContent xmlns:mc="http://schemas.openxmlformats.org/markup-compatibility/2006">
-        <mc:Choice xmlns:p14="http://schemas.microsoft.com/office/powerpoint/2010/main" Requires="p14">
+      <mc:AlternateContent xmlns:mc="http://schemas.openxmlformats.org/markup-compatibility/2006" xmlns:p14="http://schemas.microsoft.com/office/powerpoint/2010/main">
+        <mc:Choice Requires="p14">
           <p:contentPart p14:bwMode="auto" r:id="rId72">
             <p14:nvContentPartPr>
               <p14:cNvPr id="79" name="Ink 78">
@@ -18884,7 +18942,7 @@
             </p14:xfrm>
           </p:contentPart>
         </mc:Choice>
-        <mc:Fallback>
+        <mc:Fallback xmlns="">
           <p:pic>
             <p:nvPicPr>
               <p:cNvPr id="79" name="Ink 78">
@@ -18915,8 +18973,8 @@
           </p:pic>
         </mc:Fallback>
       </mc:AlternateContent>
-      <mc:AlternateContent xmlns:mc="http://schemas.openxmlformats.org/markup-compatibility/2006">
-        <mc:Choice xmlns:p14="http://schemas.microsoft.com/office/powerpoint/2010/main" Requires="p14">
+      <mc:AlternateContent xmlns:mc="http://schemas.openxmlformats.org/markup-compatibility/2006" xmlns:p14="http://schemas.microsoft.com/office/powerpoint/2010/main">
+        <mc:Choice Requires="p14">
           <p:contentPart p14:bwMode="auto" r:id="rId74">
             <p14:nvContentPartPr>
               <p14:cNvPr id="80" name="Ink 79">
@@ -18935,7 +18993,7 @@
             </p14:xfrm>
           </p:contentPart>
         </mc:Choice>
-        <mc:Fallback>
+        <mc:Fallback xmlns="">
           <p:pic>
             <p:nvPicPr>
               <p:cNvPr id="80" name="Ink 79">
@@ -18966,8 +19024,8 @@
           </p:pic>
         </mc:Fallback>
       </mc:AlternateContent>
-      <mc:AlternateContent xmlns:mc="http://schemas.openxmlformats.org/markup-compatibility/2006">
-        <mc:Choice xmlns:p14="http://schemas.microsoft.com/office/powerpoint/2010/main" Requires="p14">
+      <mc:AlternateContent xmlns:mc="http://schemas.openxmlformats.org/markup-compatibility/2006" xmlns:p14="http://schemas.microsoft.com/office/powerpoint/2010/main">
+        <mc:Choice Requires="p14">
           <p:contentPart p14:bwMode="auto" r:id="rId76">
             <p14:nvContentPartPr>
               <p14:cNvPr id="101" name="Ink 100">
@@ -18986,7 +19044,7 @@
             </p14:xfrm>
           </p:contentPart>
         </mc:Choice>
-        <mc:Fallback>
+        <mc:Fallback xmlns="">
           <p:pic>
             <p:nvPicPr>
               <p:cNvPr id="101" name="Ink 100">
@@ -19037,8 +19095,8 @@
             <a:chExt cx="4357440" cy="970920"/>
           </a:xfrm>
         </p:grpSpPr>
-        <mc:AlternateContent xmlns:mc="http://schemas.openxmlformats.org/markup-compatibility/2006">
-          <mc:Choice xmlns:p14="http://schemas.microsoft.com/office/powerpoint/2010/main" Requires="p14">
+        <mc:AlternateContent xmlns:mc="http://schemas.openxmlformats.org/markup-compatibility/2006" xmlns:p14="http://schemas.microsoft.com/office/powerpoint/2010/main">
+          <mc:Choice Requires="p14">
             <p:contentPart p14:bwMode="auto" r:id="rId78">
               <p14:nvContentPartPr>
                 <p14:cNvPr id="81" name="Ink 80">
@@ -19057,7 +19115,7 @@
               </p14:xfrm>
             </p:contentPart>
           </mc:Choice>
-          <mc:Fallback>
+          <mc:Fallback xmlns="">
             <p:pic>
               <p:nvPicPr>
                 <p:cNvPr id="81" name="Ink 80">
@@ -19088,8 +19146,8 @@
             </p:pic>
           </mc:Fallback>
         </mc:AlternateContent>
-        <mc:AlternateContent xmlns:mc="http://schemas.openxmlformats.org/markup-compatibility/2006">
-          <mc:Choice xmlns:p14="http://schemas.microsoft.com/office/powerpoint/2010/main" Requires="p14">
+        <mc:AlternateContent xmlns:mc="http://schemas.openxmlformats.org/markup-compatibility/2006" xmlns:p14="http://schemas.microsoft.com/office/powerpoint/2010/main">
+          <mc:Choice Requires="p14">
             <p:contentPart p14:bwMode="auto" r:id="rId80">
               <p14:nvContentPartPr>
                 <p14:cNvPr id="82" name="Ink 81">
@@ -19108,7 +19166,7 @@
               </p14:xfrm>
             </p:contentPart>
           </mc:Choice>
-          <mc:Fallback>
+          <mc:Fallback xmlns="">
             <p:pic>
               <p:nvPicPr>
                 <p:cNvPr id="82" name="Ink 81">
@@ -19139,8 +19197,8 @@
             </p:pic>
           </mc:Fallback>
         </mc:AlternateContent>
-        <mc:AlternateContent xmlns:mc="http://schemas.openxmlformats.org/markup-compatibility/2006">
-          <mc:Choice xmlns:p14="http://schemas.microsoft.com/office/powerpoint/2010/main" Requires="p14">
+        <mc:AlternateContent xmlns:mc="http://schemas.openxmlformats.org/markup-compatibility/2006" xmlns:p14="http://schemas.microsoft.com/office/powerpoint/2010/main">
+          <mc:Choice Requires="p14">
             <p:contentPart p14:bwMode="auto" r:id="rId82">
               <p14:nvContentPartPr>
                 <p14:cNvPr id="83" name="Ink 82">
@@ -19159,7 +19217,7 @@
               </p14:xfrm>
             </p:contentPart>
           </mc:Choice>
-          <mc:Fallback>
+          <mc:Fallback xmlns="">
             <p:pic>
               <p:nvPicPr>
                 <p:cNvPr id="83" name="Ink 82">
@@ -19190,8 +19248,8 @@
             </p:pic>
           </mc:Fallback>
         </mc:AlternateContent>
-        <mc:AlternateContent xmlns:mc="http://schemas.openxmlformats.org/markup-compatibility/2006">
-          <mc:Choice xmlns:p14="http://schemas.microsoft.com/office/powerpoint/2010/main" Requires="p14">
+        <mc:AlternateContent xmlns:mc="http://schemas.openxmlformats.org/markup-compatibility/2006" xmlns:p14="http://schemas.microsoft.com/office/powerpoint/2010/main">
+          <mc:Choice Requires="p14">
             <p:contentPart p14:bwMode="auto" r:id="rId84">
               <p14:nvContentPartPr>
                 <p14:cNvPr id="84" name="Ink 83">
@@ -19210,7 +19268,7 @@
               </p14:xfrm>
             </p:contentPart>
           </mc:Choice>
-          <mc:Fallback>
+          <mc:Fallback xmlns="">
             <p:pic>
               <p:nvPicPr>
                 <p:cNvPr id="84" name="Ink 83">
@@ -19241,8 +19299,8 @@
             </p:pic>
           </mc:Fallback>
         </mc:AlternateContent>
-        <mc:AlternateContent xmlns:mc="http://schemas.openxmlformats.org/markup-compatibility/2006">
-          <mc:Choice xmlns:p14="http://schemas.microsoft.com/office/powerpoint/2010/main" Requires="p14">
+        <mc:AlternateContent xmlns:mc="http://schemas.openxmlformats.org/markup-compatibility/2006" xmlns:p14="http://schemas.microsoft.com/office/powerpoint/2010/main">
+          <mc:Choice Requires="p14">
             <p:contentPart p14:bwMode="auto" r:id="rId86">
               <p14:nvContentPartPr>
                 <p14:cNvPr id="85" name="Ink 84">
@@ -19261,7 +19319,7 @@
               </p14:xfrm>
             </p:contentPart>
           </mc:Choice>
-          <mc:Fallback>
+          <mc:Fallback xmlns="">
             <p:pic>
               <p:nvPicPr>
                 <p:cNvPr id="85" name="Ink 84">
@@ -19292,8 +19350,8 @@
             </p:pic>
           </mc:Fallback>
         </mc:AlternateContent>
-        <mc:AlternateContent xmlns:mc="http://schemas.openxmlformats.org/markup-compatibility/2006">
-          <mc:Choice xmlns:p14="http://schemas.microsoft.com/office/powerpoint/2010/main" Requires="p14">
+        <mc:AlternateContent xmlns:mc="http://schemas.openxmlformats.org/markup-compatibility/2006" xmlns:p14="http://schemas.microsoft.com/office/powerpoint/2010/main">
+          <mc:Choice Requires="p14">
             <p:contentPart p14:bwMode="auto" r:id="rId88">
               <p14:nvContentPartPr>
                 <p14:cNvPr id="86" name="Ink 85">
@@ -19312,7 +19370,7 @@
               </p14:xfrm>
             </p:contentPart>
           </mc:Choice>
-          <mc:Fallback>
+          <mc:Fallback xmlns="">
             <p:pic>
               <p:nvPicPr>
                 <p:cNvPr id="86" name="Ink 85">
@@ -19343,8 +19401,8 @@
             </p:pic>
           </mc:Fallback>
         </mc:AlternateContent>
-        <mc:AlternateContent xmlns:mc="http://schemas.openxmlformats.org/markup-compatibility/2006">
-          <mc:Choice xmlns:p14="http://schemas.microsoft.com/office/powerpoint/2010/main" Requires="p14">
+        <mc:AlternateContent xmlns:mc="http://schemas.openxmlformats.org/markup-compatibility/2006" xmlns:p14="http://schemas.microsoft.com/office/powerpoint/2010/main">
+          <mc:Choice Requires="p14">
             <p:contentPart p14:bwMode="auto" r:id="rId90">
               <p14:nvContentPartPr>
                 <p14:cNvPr id="87" name="Ink 86">
@@ -19363,7 +19421,7 @@
               </p14:xfrm>
             </p:contentPart>
           </mc:Choice>
-          <mc:Fallback>
+          <mc:Fallback xmlns="">
             <p:pic>
               <p:nvPicPr>
                 <p:cNvPr id="87" name="Ink 86">
@@ -19394,8 +19452,8 @@
             </p:pic>
           </mc:Fallback>
         </mc:AlternateContent>
-        <mc:AlternateContent xmlns:mc="http://schemas.openxmlformats.org/markup-compatibility/2006">
-          <mc:Choice xmlns:p14="http://schemas.microsoft.com/office/powerpoint/2010/main" Requires="p14">
+        <mc:AlternateContent xmlns:mc="http://schemas.openxmlformats.org/markup-compatibility/2006" xmlns:p14="http://schemas.microsoft.com/office/powerpoint/2010/main">
+          <mc:Choice Requires="p14">
             <p:contentPart p14:bwMode="auto" r:id="rId92">
               <p14:nvContentPartPr>
                 <p14:cNvPr id="88" name="Ink 87">
@@ -19414,7 +19472,7 @@
               </p14:xfrm>
             </p:contentPart>
           </mc:Choice>
-          <mc:Fallback>
+          <mc:Fallback xmlns="">
             <p:pic>
               <p:nvPicPr>
                 <p:cNvPr id="88" name="Ink 87">
@@ -19445,8 +19503,8 @@
             </p:pic>
           </mc:Fallback>
         </mc:AlternateContent>
-        <mc:AlternateContent xmlns:mc="http://schemas.openxmlformats.org/markup-compatibility/2006">
-          <mc:Choice xmlns:p14="http://schemas.microsoft.com/office/powerpoint/2010/main" Requires="p14">
+        <mc:AlternateContent xmlns:mc="http://schemas.openxmlformats.org/markup-compatibility/2006" xmlns:p14="http://schemas.microsoft.com/office/powerpoint/2010/main">
+          <mc:Choice Requires="p14">
             <p:contentPart p14:bwMode="auto" r:id="rId94">
               <p14:nvContentPartPr>
                 <p14:cNvPr id="89" name="Ink 88">
@@ -19465,7 +19523,7 @@
               </p14:xfrm>
             </p:contentPart>
           </mc:Choice>
-          <mc:Fallback>
+          <mc:Fallback xmlns="">
             <p:pic>
               <p:nvPicPr>
                 <p:cNvPr id="89" name="Ink 88">
@@ -19496,8 +19554,8 @@
             </p:pic>
           </mc:Fallback>
         </mc:AlternateContent>
-        <mc:AlternateContent xmlns:mc="http://schemas.openxmlformats.org/markup-compatibility/2006">
-          <mc:Choice xmlns:p14="http://schemas.microsoft.com/office/powerpoint/2010/main" Requires="p14">
+        <mc:AlternateContent xmlns:mc="http://schemas.openxmlformats.org/markup-compatibility/2006" xmlns:p14="http://schemas.microsoft.com/office/powerpoint/2010/main">
+          <mc:Choice Requires="p14">
             <p:contentPart p14:bwMode="auto" r:id="rId96">
               <p14:nvContentPartPr>
                 <p14:cNvPr id="90" name="Ink 89">
@@ -19516,7 +19574,7 @@
               </p14:xfrm>
             </p:contentPart>
           </mc:Choice>
-          <mc:Fallback>
+          <mc:Fallback xmlns="">
             <p:pic>
               <p:nvPicPr>
                 <p:cNvPr id="90" name="Ink 89">
@@ -19547,8 +19605,8 @@
             </p:pic>
           </mc:Fallback>
         </mc:AlternateContent>
-        <mc:AlternateContent xmlns:mc="http://schemas.openxmlformats.org/markup-compatibility/2006">
-          <mc:Choice xmlns:p14="http://schemas.microsoft.com/office/powerpoint/2010/main" Requires="p14">
+        <mc:AlternateContent xmlns:mc="http://schemas.openxmlformats.org/markup-compatibility/2006" xmlns:p14="http://schemas.microsoft.com/office/powerpoint/2010/main">
+          <mc:Choice Requires="p14">
             <p:contentPart p14:bwMode="auto" r:id="rId98">
               <p14:nvContentPartPr>
                 <p14:cNvPr id="91" name="Ink 90">
@@ -19567,7 +19625,7 @@
               </p14:xfrm>
             </p:contentPart>
           </mc:Choice>
-          <mc:Fallback>
+          <mc:Fallback xmlns="">
             <p:pic>
               <p:nvPicPr>
                 <p:cNvPr id="91" name="Ink 90">
@@ -19598,8 +19656,8 @@
             </p:pic>
           </mc:Fallback>
         </mc:AlternateContent>
-        <mc:AlternateContent xmlns:mc="http://schemas.openxmlformats.org/markup-compatibility/2006">
-          <mc:Choice xmlns:p14="http://schemas.microsoft.com/office/powerpoint/2010/main" Requires="p14">
+        <mc:AlternateContent xmlns:mc="http://schemas.openxmlformats.org/markup-compatibility/2006" xmlns:p14="http://schemas.microsoft.com/office/powerpoint/2010/main">
+          <mc:Choice Requires="p14">
             <p:contentPart p14:bwMode="auto" r:id="rId100">
               <p14:nvContentPartPr>
                 <p14:cNvPr id="92" name="Ink 91">
@@ -19618,7 +19676,7 @@
               </p14:xfrm>
             </p:contentPart>
           </mc:Choice>
-          <mc:Fallback>
+          <mc:Fallback xmlns="">
             <p:pic>
               <p:nvPicPr>
                 <p:cNvPr id="92" name="Ink 91">
@@ -19649,8 +19707,8 @@
             </p:pic>
           </mc:Fallback>
         </mc:AlternateContent>
-        <mc:AlternateContent xmlns:mc="http://schemas.openxmlformats.org/markup-compatibility/2006">
-          <mc:Choice xmlns:p14="http://schemas.microsoft.com/office/powerpoint/2010/main" Requires="p14">
+        <mc:AlternateContent xmlns:mc="http://schemas.openxmlformats.org/markup-compatibility/2006" xmlns:p14="http://schemas.microsoft.com/office/powerpoint/2010/main">
+          <mc:Choice Requires="p14">
             <p:contentPart p14:bwMode="auto" r:id="rId102">
               <p14:nvContentPartPr>
                 <p14:cNvPr id="94" name="Ink 93">
@@ -19669,7 +19727,7 @@
               </p14:xfrm>
             </p:contentPart>
           </mc:Choice>
-          <mc:Fallback>
+          <mc:Fallback xmlns="">
             <p:pic>
               <p:nvPicPr>
                 <p:cNvPr id="94" name="Ink 93">
@@ -19700,8 +19758,8 @@
             </p:pic>
           </mc:Fallback>
         </mc:AlternateContent>
-        <mc:AlternateContent xmlns:mc="http://schemas.openxmlformats.org/markup-compatibility/2006">
-          <mc:Choice xmlns:p14="http://schemas.microsoft.com/office/powerpoint/2010/main" Requires="p14">
+        <mc:AlternateContent xmlns:mc="http://schemas.openxmlformats.org/markup-compatibility/2006" xmlns:p14="http://schemas.microsoft.com/office/powerpoint/2010/main">
+          <mc:Choice Requires="p14">
             <p:contentPart p14:bwMode="auto" r:id="rId104">
               <p14:nvContentPartPr>
                 <p14:cNvPr id="95" name="Ink 94">
@@ -19720,7 +19778,7 @@
               </p14:xfrm>
             </p:contentPart>
           </mc:Choice>
-          <mc:Fallback>
+          <mc:Fallback xmlns="">
             <p:pic>
               <p:nvPicPr>
                 <p:cNvPr id="95" name="Ink 94">
@@ -19751,8 +19809,8 @@
             </p:pic>
           </mc:Fallback>
         </mc:AlternateContent>
-        <mc:AlternateContent xmlns:mc="http://schemas.openxmlformats.org/markup-compatibility/2006">
-          <mc:Choice xmlns:p14="http://schemas.microsoft.com/office/powerpoint/2010/main" Requires="p14">
+        <mc:AlternateContent xmlns:mc="http://schemas.openxmlformats.org/markup-compatibility/2006" xmlns:p14="http://schemas.microsoft.com/office/powerpoint/2010/main">
+          <mc:Choice Requires="p14">
             <p:contentPart p14:bwMode="auto" r:id="rId106">
               <p14:nvContentPartPr>
                 <p14:cNvPr id="96" name="Ink 95">
@@ -19771,7 +19829,7 @@
               </p14:xfrm>
             </p:contentPart>
           </mc:Choice>
-          <mc:Fallback>
+          <mc:Fallback xmlns="">
             <p:pic>
               <p:nvPicPr>
                 <p:cNvPr id="96" name="Ink 95">
@@ -19802,8 +19860,8 @@
             </p:pic>
           </mc:Fallback>
         </mc:AlternateContent>
-        <mc:AlternateContent xmlns:mc="http://schemas.openxmlformats.org/markup-compatibility/2006">
-          <mc:Choice xmlns:p14="http://schemas.microsoft.com/office/powerpoint/2010/main" Requires="p14">
+        <mc:AlternateContent xmlns:mc="http://schemas.openxmlformats.org/markup-compatibility/2006" xmlns:p14="http://schemas.microsoft.com/office/powerpoint/2010/main">
+          <mc:Choice Requires="p14">
             <p:contentPart p14:bwMode="auto" r:id="rId108">
               <p14:nvContentPartPr>
                 <p14:cNvPr id="97" name="Ink 96">
@@ -19822,7 +19880,7 @@
               </p14:xfrm>
             </p:contentPart>
           </mc:Choice>
-          <mc:Fallback>
+          <mc:Fallback xmlns="">
             <p:pic>
               <p:nvPicPr>
                 <p:cNvPr id="97" name="Ink 96">
@@ -19853,8 +19911,8 @@
             </p:pic>
           </mc:Fallback>
         </mc:AlternateContent>
-        <mc:AlternateContent xmlns:mc="http://schemas.openxmlformats.org/markup-compatibility/2006">
-          <mc:Choice xmlns:p14="http://schemas.microsoft.com/office/powerpoint/2010/main" Requires="p14">
+        <mc:AlternateContent xmlns:mc="http://schemas.openxmlformats.org/markup-compatibility/2006" xmlns:p14="http://schemas.microsoft.com/office/powerpoint/2010/main">
+          <mc:Choice Requires="p14">
             <p:contentPart p14:bwMode="auto" r:id="rId110">
               <p14:nvContentPartPr>
                 <p14:cNvPr id="98" name="Ink 97">
@@ -19873,7 +19931,7 @@
               </p14:xfrm>
             </p:contentPart>
           </mc:Choice>
-          <mc:Fallback>
+          <mc:Fallback xmlns="">
             <p:pic>
               <p:nvPicPr>
                 <p:cNvPr id="98" name="Ink 97">
@@ -19904,8 +19962,8 @@
             </p:pic>
           </mc:Fallback>
         </mc:AlternateContent>
-        <mc:AlternateContent xmlns:mc="http://schemas.openxmlformats.org/markup-compatibility/2006">
-          <mc:Choice xmlns:p14="http://schemas.microsoft.com/office/powerpoint/2010/main" Requires="p14">
+        <mc:AlternateContent xmlns:mc="http://schemas.openxmlformats.org/markup-compatibility/2006" xmlns:p14="http://schemas.microsoft.com/office/powerpoint/2010/main">
+          <mc:Choice Requires="p14">
             <p:contentPart p14:bwMode="auto" r:id="rId112">
               <p14:nvContentPartPr>
                 <p14:cNvPr id="99" name="Ink 98">
@@ -19924,7 +19982,7 @@
               </p14:xfrm>
             </p:contentPart>
           </mc:Choice>
-          <mc:Fallback>
+          <mc:Fallback xmlns="">
             <p:pic>
               <p:nvPicPr>
                 <p:cNvPr id="99" name="Ink 98">
@@ -19955,8 +20013,8 @@
             </p:pic>
           </mc:Fallback>
         </mc:AlternateContent>
-        <mc:AlternateContent xmlns:mc="http://schemas.openxmlformats.org/markup-compatibility/2006">
-          <mc:Choice xmlns:p14="http://schemas.microsoft.com/office/powerpoint/2010/main" Requires="p14">
+        <mc:AlternateContent xmlns:mc="http://schemas.openxmlformats.org/markup-compatibility/2006" xmlns:p14="http://schemas.microsoft.com/office/powerpoint/2010/main">
+          <mc:Choice Requires="p14">
             <p:contentPart p14:bwMode="auto" r:id="rId114">
               <p14:nvContentPartPr>
                 <p14:cNvPr id="103" name="Ink 102">
@@ -19975,7 +20033,7 @@
               </p14:xfrm>
             </p:contentPart>
           </mc:Choice>
-          <mc:Fallback>
+          <mc:Fallback xmlns="">
             <p:pic>
               <p:nvPicPr>
                 <p:cNvPr id="103" name="Ink 102">
@@ -20006,8 +20064,8 @@
             </p:pic>
           </mc:Fallback>
         </mc:AlternateContent>
-        <mc:AlternateContent xmlns:mc="http://schemas.openxmlformats.org/markup-compatibility/2006">
-          <mc:Choice xmlns:p14="http://schemas.microsoft.com/office/powerpoint/2010/main" Requires="p14">
+        <mc:AlternateContent xmlns:mc="http://schemas.openxmlformats.org/markup-compatibility/2006" xmlns:p14="http://schemas.microsoft.com/office/powerpoint/2010/main">
+          <mc:Choice Requires="p14">
             <p:contentPart p14:bwMode="auto" r:id="rId116">
               <p14:nvContentPartPr>
                 <p14:cNvPr id="105" name="Ink 104">
@@ -20026,7 +20084,7 @@
               </p14:xfrm>
             </p:contentPart>
           </mc:Choice>
-          <mc:Fallback>
+          <mc:Fallback xmlns="">
             <p:pic>
               <p:nvPicPr>
                 <p:cNvPr id="105" name="Ink 104">
@@ -20057,8 +20115,8 @@
             </p:pic>
           </mc:Fallback>
         </mc:AlternateContent>
-        <mc:AlternateContent xmlns:mc="http://schemas.openxmlformats.org/markup-compatibility/2006">
-          <mc:Choice xmlns:p14="http://schemas.microsoft.com/office/powerpoint/2010/main" Requires="p14">
+        <mc:AlternateContent xmlns:mc="http://schemas.openxmlformats.org/markup-compatibility/2006" xmlns:p14="http://schemas.microsoft.com/office/powerpoint/2010/main">
+          <mc:Choice Requires="p14">
             <p:contentPart p14:bwMode="auto" r:id="rId118">
               <p14:nvContentPartPr>
                 <p14:cNvPr id="107" name="Ink 106">
@@ -20077,7 +20135,7 @@
               </p14:xfrm>
             </p:contentPart>
           </mc:Choice>
-          <mc:Fallback>
+          <mc:Fallback xmlns="">
             <p:pic>
               <p:nvPicPr>
                 <p:cNvPr id="107" name="Ink 106">
@@ -20129,8 +20187,8 @@
             <a:chExt cx="3385800" cy="1043280"/>
           </a:xfrm>
         </p:grpSpPr>
-        <mc:AlternateContent xmlns:mc="http://schemas.openxmlformats.org/markup-compatibility/2006">
-          <mc:Choice xmlns:p14="http://schemas.microsoft.com/office/powerpoint/2010/main" Requires="p14">
+        <mc:AlternateContent xmlns:mc="http://schemas.openxmlformats.org/markup-compatibility/2006" xmlns:p14="http://schemas.microsoft.com/office/powerpoint/2010/main">
+          <mc:Choice Requires="p14">
             <p:contentPart p14:bwMode="auto" r:id="rId120">
               <p14:nvContentPartPr>
                 <p14:cNvPr id="109" name="Ink 108">
@@ -20149,7 +20207,7 @@
               </p14:xfrm>
             </p:contentPart>
           </mc:Choice>
-          <mc:Fallback>
+          <mc:Fallback xmlns="">
             <p:pic>
               <p:nvPicPr>
                 <p:cNvPr id="109" name="Ink 108">
@@ -20180,8 +20238,8 @@
             </p:pic>
           </mc:Fallback>
         </mc:AlternateContent>
-        <mc:AlternateContent xmlns:mc="http://schemas.openxmlformats.org/markup-compatibility/2006">
-          <mc:Choice xmlns:p14="http://schemas.microsoft.com/office/powerpoint/2010/main" Requires="p14">
+        <mc:AlternateContent xmlns:mc="http://schemas.openxmlformats.org/markup-compatibility/2006" xmlns:p14="http://schemas.microsoft.com/office/powerpoint/2010/main">
+          <mc:Choice Requires="p14">
             <p:contentPart p14:bwMode="auto" r:id="rId122">
               <p14:nvContentPartPr>
                 <p14:cNvPr id="110" name="Ink 109">
@@ -20200,7 +20258,7 @@
               </p14:xfrm>
             </p:contentPart>
           </mc:Choice>
-          <mc:Fallback>
+          <mc:Fallback xmlns="">
             <p:pic>
               <p:nvPicPr>
                 <p:cNvPr id="110" name="Ink 109">
@@ -20231,8 +20289,8 @@
             </p:pic>
           </mc:Fallback>
         </mc:AlternateContent>
-        <mc:AlternateContent xmlns:mc="http://schemas.openxmlformats.org/markup-compatibility/2006">
-          <mc:Choice xmlns:p14="http://schemas.microsoft.com/office/powerpoint/2010/main" Requires="p14">
+        <mc:AlternateContent xmlns:mc="http://schemas.openxmlformats.org/markup-compatibility/2006" xmlns:p14="http://schemas.microsoft.com/office/powerpoint/2010/main">
+          <mc:Choice Requires="p14">
             <p:contentPart p14:bwMode="auto" r:id="rId124">
               <p14:nvContentPartPr>
                 <p14:cNvPr id="111" name="Ink 110">
@@ -20251,7 +20309,7 @@
               </p14:xfrm>
             </p:contentPart>
           </mc:Choice>
-          <mc:Fallback>
+          <mc:Fallback xmlns="">
             <p:pic>
               <p:nvPicPr>
                 <p:cNvPr id="111" name="Ink 110">
@@ -20282,8 +20340,8 @@
             </p:pic>
           </mc:Fallback>
         </mc:AlternateContent>
-        <mc:AlternateContent xmlns:mc="http://schemas.openxmlformats.org/markup-compatibility/2006">
-          <mc:Choice xmlns:p14="http://schemas.microsoft.com/office/powerpoint/2010/main" Requires="p14">
+        <mc:AlternateContent xmlns:mc="http://schemas.openxmlformats.org/markup-compatibility/2006" xmlns:p14="http://schemas.microsoft.com/office/powerpoint/2010/main">
+          <mc:Choice Requires="p14">
             <p:contentPart p14:bwMode="auto" r:id="rId126">
               <p14:nvContentPartPr>
                 <p14:cNvPr id="112" name="Ink 111">
@@ -20302,7 +20360,7 @@
               </p14:xfrm>
             </p:contentPart>
           </mc:Choice>
-          <mc:Fallback>
+          <mc:Fallback xmlns="">
             <p:pic>
               <p:nvPicPr>
                 <p:cNvPr id="112" name="Ink 111">
@@ -20333,8 +20391,8 @@
             </p:pic>
           </mc:Fallback>
         </mc:AlternateContent>
-        <mc:AlternateContent xmlns:mc="http://schemas.openxmlformats.org/markup-compatibility/2006">
-          <mc:Choice xmlns:p14="http://schemas.microsoft.com/office/powerpoint/2010/main" Requires="p14">
+        <mc:AlternateContent xmlns:mc="http://schemas.openxmlformats.org/markup-compatibility/2006" xmlns:p14="http://schemas.microsoft.com/office/powerpoint/2010/main">
+          <mc:Choice Requires="p14">
             <p:contentPart p14:bwMode="auto" r:id="rId128">
               <p14:nvContentPartPr>
                 <p14:cNvPr id="113" name="Ink 112">
@@ -20353,7 +20411,7 @@
               </p14:xfrm>
             </p:contentPart>
           </mc:Choice>
-          <mc:Fallback>
+          <mc:Fallback xmlns="">
             <p:pic>
               <p:nvPicPr>
                 <p:cNvPr id="113" name="Ink 112">
@@ -20384,8 +20442,8 @@
             </p:pic>
           </mc:Fallback>
         </mc:AlternateContent>
-        <mc:AlternateContent xmlns:mc="http://schemas.openxmlformats.org/markup-compatibility/2006">
-          <mc:Choice xmlns:p14="http://schemas.microsoft.com/office/powerpoint/2010/main" Requires="p14">
+        <mc:AlternateContent xmlns:mc="http://schemas.openxmlformats.org/markup-compatibility/2006" xmlns:p14="http://schemas.microsoft.com/office/powerpoint/2010/main">
+          <mc:Choice Requires="p14">
             <p:contentPart p14:bwMode="auto" r:id="rId130">
               <p14:nvContentPartPr>
                 <p14:cNvPr id="114" name="Ink 113">
@@ -20404,7 +20462,7 @@
               </p14:xfrm>
             </p:contentPart>
           </mc:Choice>
-          <mc:Fallback>
+          <mc:Fallback xmlns="">
             <p:pic>
               <p:nvPicPr>
                 <p:cNvPr id="114" name="Ink 113">
@@ -20435,8 +20493,8 @@
             </p:pic>
           </mc:Fallback>
         </mc:AlternateContent>
-        <mc:AlternateContent xmlns:mc="http://schemas.openxmlformats.org/markup-compatibility/2006">
-          <mc:Choice xmlns:p14="http://schemas.microsoft.com/office/powerpoint/2010/main" Requires="p14">
+        <mc:AlternateContent xmlns:mc="http://schemas.openxmlformats.org/markup-compatibility/2006" xmlns:p14="http://schemas.microsoft.com/office/powerpoint/2010/main">
+          <mc:Choice Requires="p14">
             <p:contentPart p14:bwMode="auto" r:id="rId132">
               <p14:nvContentPartPr>
                 <p14:cNvPr id="115" name="Ink 114">
@@ -20455,7 +20513,7 @@
               </p14:xfrm>
             </p:contentPart>
           </mc:Choice>
-          <mc:Fallback>
+          <mc:Fallback xmlns="">
             <p:pic>
               <p:nvPicPr>
                 <p:cNvPr id="115" name="Ink 114">
@@ -20486,8 +20544,8 @@
             </p:pic>
           </mc:Fallback>
         </mc:AlternateContent>
-        <mc:AlternateContent xmlns:mc="http://schemas.openxmlformats.org/markup-compatibility/2006">
-          <mc:Choice xmlns:p14="http://schemas.microsoft.com/office/powerpoint/2010/main" Requires="p14">
+        <mc:AlternateContent xmlns:mc="http://schemas.openxmlformats.org/markup-compatibility/2006" xmlns:p14="http://schemas.microsoft.com/office/powerpoint/2010/main">
+          <mc:Choice Requires="p14">
             <p:contentPart p14:bwMode="auto" r:id="rId134">
               <p14:nvContentPartPr>
                 <p14:cNvPr id="116" name="Ink 115">
@@ -20506,7 +20564,7 @@
               </p14:xfrm>
             </p:contentPart>
           </mc:Choice>
-          <mc:Fallback>
+          <mc:Fallback xmlns="">
             <p:pic>
               <p:nvPicPr>
                 <p:cNvPr id="116" name="Ink 115">
@@ -20537,8 +20595,8 @@
             </p:pic>
           </mc:Fallback>
         </mc:AlternateContent>
-        <mc:AlternateContent xmlns:mc="http://schemas.openxmlformats.org/markup-compatibility/2006">
-          <mc:Choice xmlns:p14="http://schemas.microsoft.com/office/powerpoint/2010/main" Requires="p14">
+        <mc:AlternateContent xmlns:mc="http://schemas.openxmlformats.org/markup-compatibility/2006" xmlns:p14="http://schemas.microsoft.com/office/powerpoint/2010/main">
+          <mc:Choice Requires="p14">
             <p:contentPart p14:bwMode="auto" r:id="rId136">
               <p14:nvContentPartPr>
                 <p14:cNvPr id="117" name="Ink 116">
@@ -20557,7 +20615,7 @@
               </p14:xfrm>
             </p:contentPart>
           </mc:Choice>
-          <mc:Fallback>
+          <mc:Fallback xmlns="">
             <p:pic>
               <p:nvPicPr>
                 <p:cNvPr id="117" name="Ink 116">
@@ -20588,8 +20646,8 @@
             </p:pic>
           </mc:Fallback>
         </mc:AlternateContent>
-        <mc:AlternateContent xmlns:mc="http://schemas.openxmlformats.org/markup-compatibility/2006">
-          <mc:Choice xmlns:p14="http://schemas.microsoft.com/office/powerpoint/2010/main" Requires="p14">
+        <mc:AlternateContent xmlns:mc="http://schemas.openxmlformats.org/markup-compatibility/2006" xmlns:p14="http://schemas.microsoft.com/office/powerpoint/2010/main">
+          <mc:Choice Requires="p14">
             <p:contentPart p14:bwMode="auto" r:id="rId138">
               <p14:nvContentPartPr>
                 <p14:cNvPr id="118" name="Ink 117">
@@ -20608,7 +20666,7 @@
               </p14:xfrm>
             </p:contentPart>
           </mc:Choice>
-          <mc:Fallback>
+          <mc:Fallback xmlns="">
             <p:pic>
               <p:nvPicPr>
                 <p:cNvPr id="118" name="Ink 117">
@@ -20785,8 +20843,8 @@
             <a:chExt cx="8556120" cy="1764720"/>
           </a:xfrm>
         </p:grpSpPr>
-        <mc:AlternateContent xmlns:mc="http://schemas.openxmlformats.org/markup-compatibility/2006">
-          <mc:Choice xmlns:p14="http://schemas.microsoft.com/office/powerpoint/2010/main" Requires="p14">
+        <mc:AlternateContent xmlns:mc="http://schemas.openxmlformats.org/markup-compatibility/2006" xmlns:p14="http://schemas.microsoft.com/office/powerpoint/2010/main">
+          <mc:Choice Requires="p14">
             <p:contentPart p14:bwMode="auto" r:id="rId2">
               <p14:nvContentPartPr>
                 <p14:cNvPr id="30" name="Ink 29">
@@ -20805,7 +20863,7 @@
               </p14:xfrm>
             </p:contentPart>
           </mc:Choice>
-          <mc:Fallback>
+          <mc:Fallback xmlns="">
             <p:pic>
               <p:nvPicPr>
                 <p:cNvPr id="30" name="Ink 29">
@@ -20836,8 +20894,8 @@
             </p:pic>
           </mc:Fallback>
         </mc:AlternateContent>
-        <mc:AlternateContent xmlns:mc="http://schemas.openxmlformats.org/markup-compatibility/2006">
-          <mc:Choice xmlns:p14="http://schemas.microsoft.com/office/powerpoint/2010/main" Requires="p14">
+        <mc:AlternateContent xmlns:mc="http://schemas.openxmlformats.org/markup-compatibility/2006" xmlns:p14="http://schemas.microsoft.com/office/powerpoint/2010/main">
+          <mc:Choice Requires="p14">
             <p:contentPart p14:bwMode="auto" r:id="rId4">
               <p14:nvContentPartPr>
                 <p14:cNvPr id="7" name="Ink 6">
@@ -20856,7 +20914,7 @@
               </p14:xfrm>
             </p:contentPart>
           </mc:Choice>
-          <mc:Fallback>
+          <mc:Fallback xmlns="">
             <p:pic>
               <p:nvPicPr>
                 <p:cNvPr id="7" name="Ink 6">
@@ -20887,8 +20945,8 @@
             </p:pic>
           </mc:Fallback>
         </mc:AlternateContent>
-        <mc:AlternateContent xmlns:mc="http://schemas.openxmlformats.org/markup-compatibility/2006">
-          <mc:Choice xmlns:p14="http://schemas.microsoft.com/office/powerpoint/2010/main" Requires="p14">
+        <mc:AlternateContent xmlns:mc="http://schemas.openxmlformats.org/markup-compatibility/2006" xmlns:p14="http://schemas.microsoft.com/office/powerpoint/2010/main">
+          <mc:Choice Requires="p14">
             <p:contentPart p14:bwMode="auto" r:id="rId6">
               <p14:nvContentPartPr>
                 <p14:cNvPr id="32" name="Ink 31">
@@ -20907,7 +20965,7 @@
               </p14:xfrm>
             </p:contentPart>
           </mc:Choice>
-          <mc:Fallback>
+          <mc:Fallback xmlns="">
             <p:pic>
               <p:nvPicPr>
                 <p:cNvPr id="32" name="Ink 31">
@@ -20938,8 +20996,8 @@
             </p:pic>
           </mc:Fallback>
         </mc:AlternateContent>
-        <mc:AlternateContent xmlns:mc="http://schemas.openxmlformats.org/markup-compatibility/2006">
-          <mc:Choice xmlns:p14="http://schemas.microsoft.com/office/powerpoint/2010/main" Requires="p14">
+        <mc:AlternateContent xmlns:mc="http://schemas.openxmlformats.org/markup-compatibility/2006" xmlns:p14="http://schemas.microsoft.com/office/powerpoint/2010/main">
+          <mc:Choice Requires="p14">
             <p:contentPart p14:bwMode="auto" r:id="rId8">
               <p14:nvContentPartPr>
                 <p14:cNvPr id="34" name="Ink 33">
@@ -20958,7 +21016,7 @@
               </p14:xfrm>
             </p:contentPart>
           </mc:Choice>
-          <mc:Fallback>
+          <mc:Fallback xmlns="">
             <p:pic>
               <p:nvPicPr>
                 <p:cNvPr id="34" name="Ink 33">
@@ -20989,8 +21047,8 @@
             </p:pic>
           </mc:Fallback>
         </mc:AlternateContent>
-        <mc:AlternateContent xmlns:mc="http://schemas.openxmlformats.org/markup-compatibility/2006">
-          <mc:Choice xmlns:p14="http://schemas.microsoft.com/office/powerpoint/2010/main" Requires="p14">
+        <mc:AlternateContent xmlns:mc="http://schemas.openxmlformats.org/markup-compatibility/2006" xmlns:p14="http://schemas.microsoft.com/office/powerpoint/2010/main">
+          <mc:Choice Requires="p14">
             <p:contentPart p14:bwMode="auto" r:id="rId10">
               <p14:nvContentPartPr>
                 <p14:cNvPr id="35" name="Ink 34">
@@ -21009,7 +21067,7 @@
               </p14:xfrm>
             </p:contentPart>
           </mc:Choice>
-          <mc:Fallback>
+          <mc:Fallback xmlns="">
             <p:pic>
               <p:nvPicPr>
                 <p:cNvPr id="35" name="Ink 34">
@@ -21040,8 +21098,8 @@
             </p:pic>
           </mc:Fallback>
         </mc:AlternateContent>
-        <mc:AlternateContent xmlns:mc="http://schemas.openxmlformats.org/markup-compatibility/2006">
-          <mc:Choice xmlns:p14="http://schemas.microsoft.com/office/powerpoint/2010/main" Requires="p14">
+        <mc:AlternateContent xmlns:mc="http://schemas.openxmlformats.org/markup-compatibility/2006" xmlns:p14="http://schemas.microsoft.com/office/powerpoint/2010/main">
+          <mc:Choice Requires="p14">
             <p:contentPart p14:bwMode="auto" r:id="rId12">
               <p14:nvContentPartPr>
                 <p14:cNvPr id="9" name="Ink 8">
@@ -21060,7 +21118,7 @@
               </p14:xfrm>
             </p:contentPart>
           </mc:Choice>
-          <mc:Fallback>
+          <mc:Fallback xmlns="">
             <p:pic>
               <p:nvPicPr>
                 <p:cNvPr id="9" name="Ink 8">
@@ -21091,8 +21149,8 @@
             </p:pic>
           </mc:Fallback>
         </mc:AlternateContent>
-        <mc:AlternateContent xmlns:mc="http://schemas.openxmlformats.org/markup-compatibility/2006">
-          <mc:Choice xmlns:p14="http://schemas.microsoft.com/office/powerpoint/2010/main" Requires="p14">
+        <mc:AlternateContent xmlns:mc="http://schemas.openxmlformats.org/markup-compatibility/2006" xmlns:p14="http://schemas.microsoft.com/office/powerpoint/2010/main">
+          <mc:Choice Requires="p14">
             <p:contentPart p14:bwMode="auto" r:id="rId14">
               <p14:nvContentPartPr>
                 <p14:cNvPr id="37" name="Ink 36">
@@ -21111,7 +21169,7 @@
               </p14:xfrm>
             </p:contentPart>
           </mc:Choice>
-          <mc:Fallback>
+          <mc:Fallback xmlns="">
             <p:pic>
               <p:nvPicPr>
                 <p:cNvPr id="37" name="Ink 36">
@@ -21142,8 +21200,8 @@
             </p:pic>
           </mc:Fallback>
         </mc:AlternateContent>
-        <mc:AlternateContent xmlns:mc="http://schemas.openxmlformats.org/markup-compatibility/2006">
-          <mc:Choice xmlns:p14="http://schemas.microsoft.com/office/powerpoint/2010/main" Requires="p14">
+        <mc:AlternateContent xmlns:mc="http://schemas.openxmlformats.org/markup-compatibility/2006" xmlns:p14="http://schemas.microsoft.com/office/powerpoint/2010/main">
+          <mc:Choice Requires="p14">
             <p:contentPart p14:bwMode="auto" r:id="rId16">
               <p14:nvContentPartPr>
                 <p14:cNvPr id="38" name="Ink 37">
@@ -21162,7 +21220,7 @@
               </p14:xfrm>
             </p:contentPart>
           </mc:Choice>
-          <mc:Fallback>
+          <mc:Fallback xmlns="">
             <p:pic>
               <p:nvPicPr>
                 <p:cNvPr id="38" name="Ink 37">
@@ -21193,8 +21251,8 @@
             </p:pic>
           </mc:Fallback>
         </mc:AlternateContent>
-        <mc:AlternateContent xmlns:mc="http://schemas.openxmlformats.org/markup-compatibility/2006">
-          <mc:Choice xmlns:p14="http://schemas.microsoft.com/office/powerpoint/2010/main" Requires="p14">
+        <mc:AlternateContent xmlns:mc="http://schemas.openxmlformats.org/markup-compatibility/2006" xmlns:p14="http://schemas.microsoft.com/office/powerpoint/2010/main">
+          <mc:Choice Requires="p14">
             <p:contentPart p14:bwMode="auto" r:id="rId18">
               <p14:nvContentPartPr>
                 <p14:cNvPr id="39" name="Ink 38">
@@ -21213,7 +21271,7 @@
               </p14:xfrm>
             </p:contentPart>
           </mc:Choice>
-          <mc:Fallback>
+          <mc:Fallback xmlns="">
             <p:pic>
               <p:nvPicPr>
                 <p:cNvPr id="39" name="Ink 38">
@@ -21244,8 +21302,8 @@
             </p:pic>
           </mc:Fallback>
         </mc:AlternateContent>
-        <mc:AlternateContent xmlns:mc="http://schemas.openxmlformats.org/markup-compatibility/2006">
-          <mc:Choice xmlns:p14="http://schemas.microsoft.com/office/powerpoint/2010/main" Requires="p14">
+        <mc:AlternateContent xmlns:mc="http://schemas.openxmlformats.org/markup-compatibility/2006" xmlns:p14="http://schemas.microsoft.com/office/powerpoint/2010/main">
+          <mc:Choice Requires="p14">
             <p:contentPart p14:bwMode="auto" r:id="rId20">
               <p14:nvContentPartPr>
                 <p14:cNvPr id="41" name="Ink 40">
@@ -21264,7 +21322,7 @@
               </p14:xfrm>
             </p:contentPart>
           </mc:Choice>
-          <mc:Fallback>
+          <mc:Fallback xmlns="">
             <p:pic>
               <p:nvPicPr>
                 <p:cNvPr id="41" name="Ink 40">
@@ -21295,8 +21353,8 @@
             </p:pic>
           </mc:Fallback>
         </mc:AlternateContent>
-        <mc:AlternateContent xmlns:mc="http://schemas.openxmlformats.org/markup-compatibility/2006">
-          <mc:Choice xmlns:p14="http://schemas.microsoft.com/office/powerpoint/2010/main" Requires="p14">
+        <mc:AlternateContent xmlns:mc="http://schemas.openxmlformats.org/markup-compatibility/2006" xmlns:p14="http://schemas.microsoft.com/office/powerpoint/2010/main">
+          <mc:Choice Requires="p14">
             <p:contentPart p14:bwMode="auto" r:id="rId22">
               <p14:nvContentPartPr>
                 <p14:cNvPr id="42" name="Ink 41">
@@ -21315,7 +21373,7 @@
               </p14:xfrm>
             </p:contentPart>
           </mc:Choice>
-          <mc:Fallback>
+          <mc:Fallback xmlns="">
             <p:pic>
               <p:nvPicPr>
                 <p:cNvPr id="42" name="Ink 41">
@@ -21346,8 +21404,8 @@
             </p:pic>
           </mc:Fallback>
         </mc:AlternateContent>
-        <mc:AlternateContent xmlns:mc="http://schemas.openxmlformats.org/markup-compatibility/2006">
-          <mc:Choice xmlns:p14="http://schemas.microsoft.com/office/powerpoint/2010/main" Requires="p14">
+        <mc:AlternateContent xmlns:mc="http://schemas.openxmlformats.org/markup-compatibility/2006" xmlns:p14="http://schemas.microsoft.com/office/powerpoint/2010/main">
+          <mc:Choice Requires="p14">
             <p:contentPart p14:bwMode="auto" r:id="rId24">
               <p14:nvContentPartPr>
                 <p14:cNvPr id="44" name="Ink 43">
@@ -21366,7 +21424,7 @@
               </p14:xfrm>
             </p:contentPart>
           </mc:Choice>
-          <mc:Fallback>
+          <mc:Fallback xmlns="">
             <p:pic>
               <p:nvPicPr>
                 <p:cNvPr id="44" name="Ink 43">
@@ -21397,8 +21455,8 @@
             </p:pic>
           </mc:Fallback>
         </mc:AlternateContent>
-        <mc:AlternateContent xmlns:mc="http://schemas.openxmlformats.org/markup-compatibility/2006">
-          <mc:Choice xmlns:p14="http://schemas.microsoft.com/office/powerpoint/2010/main" Requires="p14">
+        <mc:AlternateContent xmlns:mc="http://schemas.openxmlformats.org/markup-compatibility/2006" xmlns:p14="http://schemas.microsoft.com/office/powerpoint/2010/main">
+          <mc:Choice Requires="p14">
             <p:contentPart p14:bwMode="auto" r:id="rId26">
               <p14:nvContentPartPr>
                 <p14:cNvPr id="45" name="Ink 44">
@@ -21417,7 +21475,7 @@
               </p14:xfrm>
             </p:contentPart>
           </mc:Choice>
-          <mc:Fallback>
+          <mc:Fallback xmlns="">
             <p:pic>
               <p:nvPicPr>
                 <p:cNvPr id="45" name="Ink 44">
@@ -21448,8 +21506,8 @@
             </p:pic>
           </mc:Fallback>
         </mc:AlternateContent>
-        <mc:AlternateContent xmlns:mc="http://schemas.openxmlformats.org/markup-compatibility/2006">
-          <mc:Choice xmlns:p14="http://schemas.microsoft.com/office/powerpoint/2010/main" Requires="p14">
+        <mc:AlternateContent xmlns:mc="http://schemas.openxmlformats.org/markup-compatibility/2006" xmlns:p14="http://schemas.microsoft.com/office/powerpoint/2010/main">
+          <mc:Choice Requires="p14">
             <p:contentPart p14:bwMode="auto" r:id="rId28">
               <p14:nvContentPartPr>
                 <p14:cNvPr id="47" name="Ink 46">
@@ -21468,7 +21526,7 @@
               </p14:xfrm>
             </p:contentPart>
           </mc:Choice>
-          <mc:Fallback>
+          <mc:Fallback xmlns="">
             <p:pic>
               <p:nvPicPr>
                 <p:cNvPr id="47" name="Ink 46">
@@ -21499,8 +21557,8 @@
             </p:pic>
           </mc:Fallback>
         </mc:AlternateContent>
-        <mc:AlternateContent xmlns:mc="http://schemas.openxmlformats.org/markup-compatibility/2006">
-          <mc:Choice xmlns:p14="http://schemas.microsoft.com/office/powerpoint/2010/main" Requires="p14">
+        <mc:AlternateContent xmlns:mc="http://schemas.openxmlformats.org/markup-compatibility/2006" xmlns:p14="http://schemas.microsoft.com/office/powerpoint/2010/main">
+          <mc:Choice Requires="p14">
             <p:contentPart p14:bwMode="auto" r:id="rId30">
               <p14:nvContentPartPr>
                 <p14:cNvPr id="48" name="Ink 47">
@@ -21519,7 +21577,7 @@
               </p14:xfrm>
             </p:contentPart>
           </mc:Choice>
-          <mc:Fallback>
+          <mc:Fallback xmlns="">
             <p:pic>
               <p:nvPicPr>
                 <p:cNvPr id="48" name="Ink 47">
@@ -21550,8 +21608,8 @@
             </p:pic>
           </mc:Fallback>
         </mc:AlternateContent>
-        <mc:AlternateContent xmlns:mc="http://schemas.openxmlformats.org/markup-compatibility/2006">
-          <mc:Choice xmlns:p14="http://schemas.microsoft.com/office/powerpoint/2010/main" Requires="p14">
+        <mc:AlternateContent xmlns:mc="http://schemas.openxmlformats.org/markup-compatibility/2006" xmlns:p14="http://schemas.microsoft.com/office/powerpoint/2010/main">
+          <mc:Choice Requires="p14">
             <p:contentPart p14:bwMode="auto" r:id="rId32">
               <p14:nvContentPartPr>
                 <p14:cNvPr id="50" name="Ink 49">
@@ -21570,7 +21628,7 @@
               </p14:xfrm>
             </p:contentPart>
           </mc:Choice>
-          <mc:Fallback>
+          <mc:Fallback xmlns="">
             <p:pic>
               <p:nvPicPr>
                 <p:cNvPr id="50" name="Ink 49">
@@ -21601,8 +21659,8 @@
             </p:pic>
           </mc:Fallback>
         </mc:AlternateContent>
-        <mc:AlternateContent xmlns:mc="http://schemas.openxmlformats.org/markup-compatibility/2006">
-          <mc:Choice xmlns:p14="http://schemas.microsoft.com/office/powerpoint/2010/main" Requires="p14">
+        <mc:AlternateContent xmlns:mc="http://schemas.openxmlformats.org/markup-compatibility/2006" xmlns:p14="http://schemas.microsoft.com/office/powerpoint/2010/main">
+          <mc:Choice Requires="p14">
             <p:contentPart p14:bwMode="auto" r:id="rId34">
               <p14:nvContentPartPr>
                 <p14:cNvPr id="51" name="Ink 50">
@@ -21621,7 +21679,7 @@
               </p14:xfrm>
             </p:contentPart>
           </mc:Choice>
-          <mc:Fallback>
+          <mc:Fallback xmlns="">
             <p:pic>
               <p:nvPicPr>
                 <p:cNvPr id="51" name="Ink 50">
@@ -21652,8 +21710,8 @@
             </p:pic>
           </mc:Fallback>
         </mc:AlternateContent>
-        <mc:AlternateContent xmlns:mc="http://schemas.openxmlformats.org/markup-compatibility/2006">
-          <mc:Choice xmlns:p14="http://schemas.microsoft.com/office/powerpoint/2010/main" Requires="p14">
+        <mc:AlternateContent xmlns:mc="http://schemas.openxmlformats.org/markup-compatibility/2006" xmlns:p14="http://schemas.microsoft.com/office/powerpoint/2010/main">
+          <mc:Choice Requires="p14">
             <p:contentPart p14:bwMode="auto" r:id="rId36">
               <p14:nvContentPartPr>
                 <p14:cNvPr id="53" name="Ink 52">
@@ -21672,7 +21730,7 @@
               </p14:xfrm>
             </p:contentPart>
           </mc:Choice>
-          <mc:Fallback>
+          <mc:Fallback xmlns="">
             <p:pic>
               <p:nvPicPr>
                 <p:cNvPr id="53" name="Ink 52">
@@ -21703,8 +21761,8 @@
             </p:pic>
           </mc:Fallback>
         </mc:AlternateContent>
-        <mc:AlternateContent xmlns:mc="http://schemas.openxmlformats.org/markup-compatibility/2006">
-          <mc:Choice xmlns:p14="http://schemas.microsoft.com/office/powerpoint/2010/main" Requires="p14">
+        <mc:AlternateContent xmlns:mc="http://schemas.openxmlformats.org/markup-compatibility/2006" xmlns:p14="http://schemas.microsoft.com/office/powerpoint/2010/main">
+          <mc:Choice Requires="p14">
             <p:contentPart p14:bwMode="auto" r:id="rId38">
               <p14:nvContentPartPr>
                 <p14:cNvPr id="54" name="Ink 53">
@@ -21723,7 +21781,7 @@
               </p14:xfrm>
             </p:contentPart>
           </mc:Choice>
-          <mc:Fallback>
+          <mc:Fallback xmlns="">
             <p:pic>
               <p:nvPicPr>
                 <p:cNvPr id="54" name="Ink 53">
@@ -21754,8 +21812,8 @@
             </p:pic>
           </mc:Fallback>
         </mc:AlternateContent>
-        <mc:AlternateContent xmlns:mc="http://schemas.openxmlformats.org/markup-compatibility/2006">
-          <mc:Choice xmlns:p14="http://schemas.microsoft.com/office/powerpoint/2010/main" Requires="p14">
+        <mc:AlternateContent xmlns:mc="http://schemas.openxmlformats.org/markup-compatibility/2006" xmlns:p14="http://schemas.microsoft.com/office/powerpoint/2010/main">
+          <mc:Choice Requires="p14">
             <p:contentPart p14:bwMode="auto" r:id="rId40">
               <p14:nvContentPartPr>
                 <p14:cNvPr id="55" name="Ink 54">
@@ -21774,7 +21832,7 @@
               </p14:xfrm>
             </p:contentPart>
           </mc:Choice>
-          <mc:Fallback>
+          <mc:Fallback xmlns="">
             <p:pic>
               <p:nvPicPr>
                 <p:cNvPr id="55" name="Ink 54">
@@ -21826,8 +21884,8 @@
             <a:chExt cx="5348520" cy="1586160"/>
           </a:xfrm>
         </p:grpSpPr>
-        <mc:AlternateContent xmlns:mc="http://schemas.openxmlformats.org/markup-compatibility/2006">
-          <mc:Choice xmlns:p14="http://schemas.microsoft.com/office/powerpoint/2010/main" Requires="p14">
+        <mc:AlternateContent xmlns:mc="http://schemas.openxmlformats.org/markup-compatibility/2006" xmlns:p14="http://schemas.microsoft.com/office/powerpoint/2010/main">
+          <mc:Choice Requires="p14">
             <p:contentPart p14:bwMode="auto" r:id="rId42">
               <p14:nvContentPartPr>
                 <p14:cNvPr id="57" name="Ink 56">
@@ -21846,7 +21904,7 @@
               </p14:xfrm>
             </p:contentPart>
           </mc:Choice>
-          <mc:Fallback>
+          <mc:Fallback xmlns="">
             <p:pic>
               <p:nvPicPr>
                 <p:cNvPr id="57" name="Ink 56">
@@ -21877,8 +21935,8 @@
             </p:pic>
           </mc:Fallback>
         </mc:AlternateContent>
-        <mc:AlternateContent xmlns:mc="http://schemas.openxmlformats.org/markup-compatibility/2006">
-          <mc:Choice xmlns:p14="http://schemas.microsoft.com/office/powerpoint/2010/main" Requires="p14">
+        <mc:AlternateContent xmlns:mc="http://schemas.openxmlformats.org/markup-compatibility/2006" xmlns:p14="http://schemas.microsoft.com/office/powerpoint/2010/main">
+          <mc:Choice Requires="p14">
             <p:contentPart p14:bwMode="auto" r:id="rId44">
               <p14:nvContentPartPr>
                 <p14:cNvPr id="58" name="Ink 57">
@@ -21897,7 +21955,7 @@
               </p14:xfrm>
             </p:contentPart>
           </mc:Choice>
-          <mc:Fallback>
+          <mc:Fallback xmlns="">
             <p:pic>
               <p:nvPicPr>
                 <p:cNvPr id="58" name="Ink 57">
@@ -21928,8 +21986,8 @@
             </p:pic>
           </mc:Fallback>
         </mc:AlternateContent>
-        <mc:AlternateContent xmlns:mc="http://schemas.openxmlformats.org/markup-compatibility/2006">
-          <mc:Choice xmlns:p14="http://schemas.microsoft.com/office/powerpoint/2010/main" Requires="p14">
+        <mc:AlternateContent xmlns:mc="http://schemas.openxmlformats.org/markup-compatibility/2006" xmlns:p14="http://schemas.microsoft.com/office/powerpoint/2010/main">
+          <mc:Choice Requires="p14">
             <p:contentPart p14:bwMode="auto" r:id="rId46">
               <p14:nvContentPartPr>
                 <p14:cNvPr id="59" name="Ink 58">
@@ -21948,7 +22006,7 @@
               </p14:xfrm>
             </p:contentPart>
           </mc:Choice>
-          <mc:Fallback>
+          <mc:Fallback xmlns="">
             <p:pic>
               <p:nvPicPr>
                 <p:cNvPr id="59" name="Ink 58">
@@ -21979,8 +22037,8 @@
             </p:pic>
           </mc:Fallback>
         </mc:AlternateContent>
-        <mc:AlternateContent xmlns:mc="http://schemas.openxmlformats.org/markup-compatibility/2006">
-          <mc:Choice xmlns:p14="http://schemas.microsoft.com/office/powerpoint/2010/main" Requires="p14">
+        <mc:AlternateContent xmlns:mc="http://schemas.openxmlformats.org/markup-compatibility/2006" xmlns:p14="http://schemas.microsoft.com/office/powerpoint/2010/main">
+          <mc:Choice Requires="p14">
             <p:contentPart p14:bwMode="auto" r:id="rId48">
               <p14:nvContentPartPr>
                 <p14:cNvPr id="60" name="Ink 59">
@@ -21999,7 +22057,7 @@
               </p14:xfrm>
             </p:contentPart>
           </mc:Choice>
-          <mc:Fallback>
+          <mc:Fallback xmlns="">
             <p:pic>
               <p:nvPicPr>
                 <p:cNvPr id="60" name="Ink 59">
@@ -22030,8 +22088,8 @@
             </p:pic>
           </mc:Fallback>
         </mc:AlternateContent>
-        <mc:AlternateContent xmlns:mc="http://schemas.openxmlformats.org/markup-compatibility/2006">
-          <mc:Choice xmlns:p14="http://schemas.microsoft.com/office/powerpoint/2010/main" Requires="p14">
+        <mc:AlternateContent xmlns:mc="http://schemas.openxmlformats.org/markup-compatibility/2006" xmlns:p14="http://schemas.microsoft.com/office/powerpoint/2010/main">
+          <mc:Choice Requires="p14">
             <p:contentPart p14:bwMode="auto" r:id="rId50">
               <p14:nvContentPartPr>
                 <p14:cNvPr id="61" name="Ink 60">
@@ -22050,7 +22108,7 @@
               </p14:xfrm>
             </p:contentPart>
           </mc:Choice>
-          <mc:Fallback>
+          <mc:Fallback xmlns="">
             <p:pic>
               <p:nvPicPr>
                 <p:cNvPr id="61" name="Ink 60">
@@ -22081,8 +22139,8 @@
             </p:pic>
           </mc:Fallback>
         </mc:AlternateContent>
-        <mc:AlternateContent xmlns:mc="http://schemas.openxmlformats.org/markup-compatibility/2006">
-          <mc:Choice xmlns:p14="http://schemas.microsoft.com/office/powerpoint/2010/main" Requires="p14">
+        <mc:AlternateContent xmlns:mc="http://schemas.openxmlformats.org/markup-compatibility/2006" xmlns:p14="http://schemas.microsoft.com/office/powerpoint/2010/main">
+          <mc:Choice Requires="p14">
             <p:contentPart p14:bwMode="auto" r:id="rId52">
               <p14:nvContentPartPr>
                 <p14:cNvPr id="63" name="Ink 62">
@@ -22101,7 +22159,7 @@
               </p14:xfrm>
             </p:contentPart>
           </mc:Choice>
-          <mc:Fallback>
+          <mc:Fallback xmlns="">
             <p:pic>
               <p:nvPicPr>
                 <p:cNvPr id="63" name="Ink 62">
@@ -22132,8 +22190,8 @@
             </p:pic>
           </mc:Fallback>
         </mc:AlternateContent>
-        <mc:AlternateContent xmlns:mc="http://schemas.openxmlformats.org/markup-compatibility/2006">
-          <mc:Choice xmlns:p14="http://schemas.microsoft.com/office/powerpoint/2010/main" Requires="p14">
+        <mc:AlternateContent xmlns:mc="http://schemas.openxmlformats.org/markup-compatibility/2006" xmlns:p14="http://schemas.microsoft.com/office/powerpoint/2010/main">
+          <mc:Choice Requires="p14">
             <p:contentPart p14:bwMode="auto" r:id="rId54">
               <p14:nvContentPartPr>
                 <p14:cNvPr id="64" name="Ink 63">
@@ -22152,7 +22210,7 @@
               </p14:xfrm>
             </p:contentPart>
           </mc:Choice>
-          <mc:Fallback>
+          <mc:Fallback xmlns="">
             <p:pic>
               <p:nvPicPr>
                 <p:cNvPr id="64" name="Ink 63">
@@ -22183,8 +22241,8 @@
             </p:pic>
           </mc:Fallback>
         </mc:AlternateContent>
-        <mc:AlternateContent xmlns:mc="http://schemas.openxmlformats.org/markup-compatibility/2006">
-          <mc:Choice xmlns:p14="http://schemas.microsoft.com/office/powerpoint/2010/main" Requires="p14">
+        <mc:AlternateContent xmlns:mc="http://schemas.openxmlformats.org/markup-compatibility/2006" xmlns:p14="http://schemas.microsoft.com/office/powerpoint/2010/main">
+          <mc:Choice Requires="p14">
             <p:contentPart p14:bwMode="auto" r:id="rId56">
               <p14:nvContentPartPr>
                 <p14:cNvPr id="8" name="Ink 7">
@@ -22203,7 +22261,7 @@
               </p14:xfrm>
             </p:contentPart>
           </mc:Choice>
-          <mc:Fallback>
+          <mc:Fallback xmlns="">
             <p:pic>
               <p:nvPicPr>
                 <p:cNvPr id="8" name="Ink 7">
@@ -22234,8 +22292,8 @@
             </p:pic>
           </mc:Fallback>
         </mc:AlternateContent>
-        <mc:AlternateContent xmlns:mc="http://schemas.openxmlformats.org/markup-compatibility/2006">
-          <mc:Choice xmlns:p14="http://schemas.microsoft.com/office/powerpoint/2010/main" Requires="p14">
+        <mc:AlternateContent xmlns:mc="http://schemas.openxmlformats.org/markup-compatibility/2006" xmlns:p14="http://schemas.microsoft.com/office/powerpoint/2010/main">
+          <mc:Choice Requires="p14">
             <p:contentPart p14:bwMode="auto" r:id="rId58">
               <p14:nvContentPartPr>
                 <p14:cNvPr id="67" name="Ink 66">
@@ -22254,7 +22312,7 @@
               </p14:xfrm>
             </p:contentPart>
           </mc:Choice>
-          <mc:Fallback>
+          <mc:Fallback xmlns="">
             <p:pic>
               <p:nvPicPr>
                 <p:cNvPr id="67" name="Ink 66">
@@ -22285,8 +22343,8 @@
             </p:pic>
           </mc:Fallback>
         </mc:AlternateContent>
-        <mc:AlternateContent xmlns:mc="http://schemas.openxmlformats.org/markup-compatibility/2006">
-          <mc:Choice xmlns:p14="http://schemas.microsoft.com/office/powerpoint/2010/main" Requires="p14">
+        <mc:AlternateContent xmlns:mc="http://schemas.openxmlformats.org/markup-compatibility/2006" xmlns:p14="http://schemas.microsoft.com/office/powerpoint/2010/main">
+          <mc:Choice Requires="p14">
             <p:contentPart p14:bwMode="auto" r:id="rId60">
               <p14:nvContentPartPr>
                 <p14:cNvPr id="68" name="Ink 67">
@@ -22305,7 +22363,7 @@
               </p14:xfrm>
             </p:contentPart>
           </mc:Choice>
-          <mc:Fallback>
+          <mc:Fallback xmlns="">
             <p:pic>
               <p:nvPicPr>
                 <p:cNvPr id="68" name="Ink 67">
@@ -22336,8 +22394,8 @@
             </p:pic>
           </mc:Fallback>
         </mc:AlternateContent>
-        <mc:AlternateContent xmlns:mc="http://schemas.openxmlformats.org/markup-compatibility/2006">
-          <mc:Choice xmlns:p14="http://schemas.microsoft.com/office/powerpoint/2010/main" Requires="p14">
+        <mc:AlternateContent xmlns:mc="http://schemas.openxmlformats.org/markup-compatibility/2006" xmlns:p14="http://schemas.microsoft.com/office/powerpoint/2010/main">
+          <mc:Choice Requires="p14">
             <p:contentPart p14:bwMode="auto" r:id="rId62">
               <p14:nvContentPartPr>
                 <p14:cNvPr id="70" name="Ink 69">
@@ -22356,7 +22414,7 @@
               </p14:xfrm>
             </p:contentPart>
           </mc:Choice>
-          <mc:Fallback>
+          <mc:Fallback xmlns="">
             <p:pic>
               <p:nvPicPr>
                 <p:cNvPr id="70" name="Ink 69">
@@ -22387,8 +22445,8 @@
             </p:pic>
           </mc:Fallback>
         </mc:AlternateContent>
-        <mc:AlternateContent xmlns:mc="http://schemas.openxmlformats.org/markup-compatibility/2006">
-          <mc:Choice xmlns:p14="http://schemas.microsoft.com/office/powerpoint/2010/main" Requires="p14">
+        <mc:AlternateContent xmlns:mc="http://schemas.openxmlformats.org/markup-compatibility/2006" xmlns:p14="http://schemas.microsoft.com/office/powerpoint/2010/main">
+          <mc:Choice Requires="p14">
             <p:contentPart p14:bwMode="auto" r:id="rId64">
               <p14:nvContentPartPr>
                 <p14:cNvPr id="71" name="Ink 70">
@@ -22407,7 +22465,7 @@
               </p14:xfrm>
             </p:contentPart>
           </mc:Choice>
-          <mc:Fallback>
+          <mc:Fallback xmlns="">
             <p:pic>
               <p:nvPicPr>
                 <p:cNvPr id="71" name="Ink 70">
@@ -22438,8 +22496,8 @@
             </p:pic>
           </mc:Fallback>
         </mc:AlternateContent>
-        <mc:AlternateContent xmlns:mc="http://schemas.openxmlformats.org/markup-compatibility/2006">
-          <mc:Choice xmlns:p14="http://schemas.microsoft.com/office/powerpoint/2010/main" Requires="p14">
+        <mc:AlternateContent xmlns:mc="http://schemas.openxmlformats.org/markup-compatibility/2006" xmlns:p14="http://schemas.microsoft.com/office/powerpoint/2010/main">
+          <mc:Choice Requires="p14">
             <p:contentPart p14:bwMode="auto" r:id="rId66">
               <p14:nvContentPartPr>
                 <p14:cNvPr id="72" name="Ink 71">
@@ -22458,7 +22516,7 @@
               </p14:xfrm>
             </p:contentPart>
           </mc:Choice>
-          <mc:Fallback>
+          <mc:Fallback xmlns="">
             <p:pic>
               <p:nvPicPr>
                 <p:cNvPr id="72" name="Ink 71">
@@ -22489,8 +22547,8 @@
             </p:pic>
           </mc:Fallback>
         </mc:AlternateContent>
-        <mc:AlternateContent xmlns:mc="http://schemas.openxmlformats.org/markup-compatibility/2006">
-          <mc:Choice xmlns:p14="http://schemas.microsoft.com/office/powerpoint/2010/main" Requires="p14">
+        <mc:AlternateContent xmlns:mc="http://schemas.openxmlformats.org/markup-compatibility/2006" xmlns:p14="http://schemas.microsoft.com/office/powerpoint/2010/main">
+          <mc:Choice Requires="p14">
             <p:contentPart p14:bwMode="auto" r:id="rId68">
               <p14:nvContentPartPr>
                 <p14:cNvPr id="73" name="Ink 72">
@@ -22509,7 +22567,7 @@
               </p14:xfrm>
             </p:contentPart>
           </mc:Choice>
-          <mc:Fallback>
+          <mc:Fallback xmlns="">
             <p:pic>
               <p:nvPicPr>
                 <p:cNvPr id="73" name="Ink 72">
@@ -22541,8 +22599,8 @@
           </mc:Fallback>
         </mc:AlternateContent>
       </p:grpSp>
-      <mc:AlternateContent xmlns:mc="http://schemas.openxmlformats.org/markup-compatibility/2006">
-        <mc:Choice xmlns:p14="http://schemas.microsoft.com/office/powerpoint/2010/main" Requires="p14">
+      <mc:AlternateContent xmlns:mc="http://schemas.openxmlformats.org/markup-compatibility/2006" xmlns:p14="http://schemas.microsoft.com/office/powerpoint/2010/main">
+        <mc:Choice Requires="p14">
           <p:contentPart p14:bwMode="auto" r:id="rId70">
             <p14:nvContentPartPr>
               <p14:cNvPr id="3" name="Ink 2">
@@ -22561,7 +22619,7 @@
             </p14:xfrm>
           </p:contentPart>
         </mc:Choice>
-        <mc:Fallback>
+        <mc:Fallback xmlns="">
           <p:pic>
             <p:nvPicPr>
               <p:cNvPr id="3" name="Ink 2">
@@ -22592,8 +22650,8 @@
           </p:pic>
         </mc:Fallback>
       </mc:AlternateContent>
-      <mc:AlternateContent xmlns:mc="http://schemas.openxmlformats.org/markup-compatibility/2006">
-        <mc:Choice xmlns:p14="http://schemas.microsoft.com/office/powerpoint/2010/main" Requires="p14">
+      <mc:AlternateContent xmlns:mc="http://schemas.openxmlformats.org/markup-compatibility/2006" xmlns:p14="http://schemas.microsoft.com/office/powerpoint/2010/main">
+        <mc:Choice Requires="p14">
           <p:contentPart p14:bwMode="auto" r:id="rId72">
             <p14:nvContentPartPr>
               <p14:cNvPr id="10" name="Ink 9">
@@ -22612,7 +22670,7 @@
             </p14:xfrm>
           </p:contentPart>
         </mc:Choice>
-        <mc:Fallback>
+        <mc:Fallback xmlns="">
           <p:pic>
             <p:nvPicPr>
               <p:cNvPr id="10" name="Ink 9">
@@ -22643,8 +22701,8 @@
           </p:pic>
         </mc:Fallback>
       </mc:AlternateContent>
-      <mc:AlternateContent xmlns:mc="http://schemas.openxmlformats.org/markup-compatibility/2006">
-        <mc:Choice xmlns:p14="http://schemas.microsoft.com/office/powerpoint/2010/main" Requires="p14">
+      <mc:AlternateContent xmlns:mc="http://schemas.openxmlformats.org/markup-compatibility/2006" xmlns:p14="http://schemas.microsoft.com/office/powerpoint/2010/main">
+        <mc:Choice Requires="p14">
           <p:contentPart p14:bwMode="auto" r:id="rId74">
             <p14:nvContentPartPr>
               <p14:cNvPr id="11" name="Ink 10">
@@ -22663,7 +22721,7 @@
             </p14:xfrm>
           </p:contentPart>
         </mc:Choice>
-        <mc:Fallback>
+        <mc:Fallback xmlns="">
           <p:pic>
             <p:nvPicPr>
               <p:cNvPr id="11" name="Ink 10">
@@ -22694,8 +22752,8 @@
           </p:pic>
         </mc:Fallback>
       </mc:AlternateContent>
-      <mc:AlternateContent xmlns:mc="http://schemas.openxmlformats.org/markup-compatibility/2006">
-        <mc:Choice xmlns:p14="http://schemas.microsoft.com/office/powerpoint/2010/main" Requires="p14">
+      <mc:AlternateContent xmlns:mc="http://schemas.openxmlformats.org/markup-compatibility/2006" xmlns:p14="http://schemas.microsoft.com/office/powerpoint/2010/main">
+        <mc:Choice Requires="p14">
           <p:contentPart p14:bwMode="auto" r:id="rId76">
             <p14:nvContentPartPr>
               <p14:cNvPr id="12" name="Ink 11">
@@ -22714,7 +22772,7 @@
             </p14:xfrm>
           </p:contentPart>
         </mc:Choice>
-        <mc:Fallback>
+        <mc:Fallback xmlns="">
           <p:pic>
             <p:nvPicPr>
               <p:cNvPr id="12" name="Ink 11">
@@ -22745,8 +22803,8 @@
           </p:pic>
         </mc:Fallback>
       </mc:AlternateContent>
-      <mc:AlternateContent xmlns:mc="http://schemas.openxmlformats.org/markup-compatibility/2006">
-        <mc:Choice xmlns:p14="http://schemas.microsoft.com/office/powerpoint/2010/main" Requires="p14">
+      <mc:AlternateContent xmlns:mc="http://schemas.openxmlformats.org/markup-compatibility/2006" xmlns:p14="http://schemas.microsoft.com/office/powerpoint/2010/main">
+        <mc:Choice Requires="p14">
           <p:contentPart p14:bwMode="auto" r:id="rId78">
             <p14:nvContentPartPr>
               <p14:cNvPr id="13" name="Ink 12">
@@ -22765,7 +22823,7 @@
             </p14:xfrm>
           </p:contentPart>
         </mc:Choice>
-        <mc:Fallback>
+        <mc:Fallback xmlns="">
           <p:pic>
             <p:nvPicPr>
               <p:cNvPr id="13" name="Ink 12">
@@ -22796,8 +22854,8 @@
           </p:pic>
         </mc:Fallback>
       </mc:AlternateContent>
-      <mc:AlternateContent xmlns:mc="http://schemas.openxmlformats.org/markup-compatibility/2006">
-        <mc:Choice xmlns:p14="http://schemas.microsoft.com/office/powerpoint/2010/main" Requires="p14">
+      <mc:AlternateContent xmlns:mc="http://schemas.openxmlformats.org/markup-compatibility/2006" xmlns:p14="http://schemas.microsoft.com/office/powerpoint/2010/main">
+        <mc:Choice Requires="p14">
           <p:contentPart p14:bwMode="auto" r:id="rId80">
             <p14:nvContentPartPr>
               <p14:cNvPr id="15" name="Ink 14">
@@ -22816,7 +22874,7 @@
             </p14:xfrm>
           </p:contentPart>
         </mc:Choice>
-        <mc:Fallback>
+        <mc:Fallback xmlns="">
           <p:pic>
             <p:nvPicPr>
               <p:cNvPr id="15" name="Ink 14">
@@ -22847,8 +22905,8 @@
           </p:pic>
         </mc:Fallback>
       </mc:AlternateContent>
-      <mc:AlternateContent xmlns:mc="http://schemas.openxmlformats.org/markup-compatibility/2006">
-        <mc:Choice xmlns:p14="http://schemas.microsoft.com/office/powerpoint/2010/main" Requires="p14">
+      <mc:AlternateContent xmlns:mc="http://schemas.openxmlformats.org/markup-compatibility/2006" xmlns:p14="http://schemas.microsoft.com/office/powerpoint/2010/main">
+        <mc:Choice Requires="p14">
           <p:contentPart p14:bwMode="auto" r:id="rId82">
             <p14:nvContentPartPr>
               <p14:cNvPr id="16" name="Ink 15">
@@ -22867,7 +22925,7 @@
             </p14:xfrm>
           </p:contentPart>
         </mc:Choice>
-        <mc:Fallback>
+        <mc:Fallback xmlns="">
           <p:pic>
             <p:nvPicPr>
               <p:cNvPr id="16" name="Ink 15">
@@ -22898,8 +22956,8 @@
           </p:pic>
         </mc:Fallback>
       </mc:AlternateContent>
-      <mc:AlternateContent xmlns:mc="http://schemas.openxmlformats.org/markup-compatibility/2006">
-        <mc:Choice xmlns:p14="http://schemas.microsoft.com/office/powerpoint/2010/main" Requires="p14">
+      <mc:AlternateContent xmlns:mc="http://schemas.openxmlformats.org/markup-compatibility/2006" xmlns:p14="http://schemas.microsoft.com/office/powerpoint/2010/main">
+        <mc:Choice Requires="p14">
           <p:contentPart p14:bwMode="auto" r:id="rId84">
             <p14:nvContentPartPr>
               <p14:cNvPr id="17" name="Ink 16">
@@ -22918,7 +22976,7 @@
             </p14:xfrm>
           </p:contentPart>
         </mc:Choice>
-        <mc:Fallback>
+        <mc:Fallback xmlns="">
           <p:pic>
             <p:nvPicPr>
               <p:cNvPr id="17" name="Ink 16">
@@ -22949,8 +23007,8 @@
           </p:pic>
         </mc:Fallback>
       </mc:AlternateContent>
-      <mc:AlternateContent xmlns:mc="http://schemas.openxmlformats.org/markup-compatibility/2006">
-        <mc:Choice xmlns:p14="http://schemas.microsoft.com/office/powerpoint/2010/main" Requires="p14">
+      <mc:AlternateContent xmlns:mc="http://schemas.openxmlformats.org/markup-compatibility/2006" xmlns:p14="http://schemas.microsoft.com/office/powerpoint/2010/main">
+        <mc:Choice Requires="p14">
           <p:contentPart p14:bwMode="auto" r:id="rId86">
             <p14:nvContentPartPr>
               <p14:cNvPr id="18" name="Ink 17">
@@ -22969,7 +23027,7 @@
             </p14:xfrm>
           </p:contentPart>
         </mc:Choice>
-        <mc:Fallback>
+        <mc:Fallback xmlns="">
           <p:pic>
             <p:nvPicPr>
               <p:cNvPr id="18" name="Ink 17">
@@ -23020,8 +23078,8 @@
             <a:chExt cx="3335400" cy="886680"/>
           </a:xfrm>
         </p:grpSpPr>
-        <mc:AlternateContent xmlns:mc="http://schemas.openxmlformats.org/markup-compatibility/2006">
-          <mc:Choice xmlns:p14="http://schemas.microsoft.com/office/powerpoint/2010/main" Requires="p14">
+        <mc:AlternateContent xmlns:mc="http://schemas.openxmlformats.org/markup-compatibility/2006" xmlns:p14="http://schemas.microsoft.com/office/powerpoint/2010/main">
+          <mc:Choice Requires="p14">
             <p:contentPart p14:bwMode="auto" r:id="rId88">
               <p14:nvContentPartPr>
                 <p14:cNvPr id="28" name="Ink 27">
@@ -23040,7 +23098,7 @@
               </p14:xfrm>
             </p:contentPart>
           </mc:Choice>
-          <mc:Fallback>
+          <mc:Fallback xmlns="">
             <p:pic>
               <p:nvPicPr>
                 <p:cNvPr id="28" name="Ink 27">
@@ -23071,8 +23129,8 @@
             </p:pic>
           </mc:Fallback>
         </mc:AlternateContent>
-        <mc:AlternateContent xmlns:mc="http://schemas.openxmlformats.org/markup-compatibility/2006">
-          <mc:Choice xmlns:p14="http://schemas.microsoft.com/office/powerpoint/2010/main" Requires="p14">
+        <mc:AlternateContent xmlns:mc="http://schemas.openxmlformats.org/markup-compatibility/2006" xmlns:p14="http://schemas.microsoft.com/office/powerpoint/2010/main">
+          <mc:Choice Requires="p14">
             <p:contentPart p14:bwMode="auto" r:id="rId90">
               <p14:nvContentPartPr>
                 <p14:cNvPr id="29" name="Ink 28">
@@ -23091,7 +23149,7 @@
               </p14:xfrm>
             </p:contentPart>
           </mc:Choice>
-          <mc:Fallback>
+          <mc:Fallback xmlns="">
             <p:pic>
               <p:nvPicPr>
                 <p:cNvPr id="29" name="Ink 28">
@@ -23122,8 +23180,8 @@
             </p:pic>
           </mc:Fallback>
         </mc:AlternateContent>
-        <mc:AlternateContent xmlns:mc="http://schemas.openxmlformats.org/markup-compatibility/2006">
-          <mc:Choice xmlns:p14="http://schemas.microsoft.com/office/powerpoint/2010/main" Requires="p14">
+        <mc:AlternateContent xmlns:mc="http://schemas.openxmlformats.org/markup-compatibility/2006" xmlns:p14="http://schemas.microsoft.com/office/powerpoint/2010/main">
+          <mc:Choice Requires="p14">
             <p:contentPart p14:bwMode="auto" r:id="rId92">
               <p14:nvContentPartPr>
                 <p14:cNvPr id="40" name="Ink 39">
@@ -23142,7 +23200,7 @@
               </p14:xfrm>
             </p:contentPart>
           </mc:Choice>
-          <mc:Fallback>
+          <mc:Fallback xmlns="">
             <p:pic>
               <p:nvPicPr>
                 <p:cNvPr id="40" name="Ink 39">
@@ -23173,8 +23231,8 @@
             </p:pic>
           </mc:Fallback>
         </mc:AlternateContent>
-        <mc:AlternateContent xmlns:mc="http://schemas.openxmlformats.org/markup-compatibility/2006">
-          <mc:Choice xmlns:p14="http://schemas.microsoft.com/office/powerpoint/2010/main" Requires="p14">
+        <mc:AlternateContent xmlns:mc="http://schemas.openxmlformats.org/markup-compatibility/2006" xmlns:p14="http://schemas.microsoft.com/office/powerpoint/2010/main">
+          <mc:Choice Requires="p14">
             <p:contentPart p14:bwMode="auto" r:id="rId94">
               <p14:nvContentPartPr>
                 <p14:cNvPr id="46" name="Ink 45">
@@ -23193,7 +23251,7 @@
               </p14:xfrm>
             </p:contentPart>
           </mc:Choice>
-          <mc:Fallback>
+          <mc:Fallback xmlns="">
             <p:pic>
               <p:nvPicPr>
                 <p:cNvPr id="46" name="Ink 45">
@@ -23224,8 +23282,8 @@
             </p:pic>
           </mc:Fallback>
         </mc:AlternateContent>
-        <mc:AlternateContent xmlns:mc="http://schemas.openxmlformats.org/markup-compatibility/2006">
-          <mc:Choice xmlns:p14="http://schemas.microsoft.com/office/powerpoint/2010/main" Requires="p14">
+        <mc:AlternateContent xmlns:mc="http://schemas.openxmlformats.org/markup-compatibility/2006" xmlns:p14="http://schemas.microsoft.com/office/powerpoint/2010/main">
+          <mc:Choice Requires="p14">
             <p:contentPart p14:bwMode="auto" r:id="rId96">
               <p14:nvContentPartPr>
                 <p14:cNvPr id="49" name="Ink 48">
@@ -23244,7 +23302,7 @@
               </p14:xfrm>
             </p:contentPart>
           </mc:Choice>
-          <mc:Fallback>
+          <mc:Fallback xmlns="">
             <p:pic>
               <p:nvPicPr>
                 <p:cNvPr id="49" name="Ink 48">
@@ -23275,8 +23333,8 @@
             </p:pic>
           </mc:Fallback>
         </mc:AlternateContent>
-        <mc:AlternateContent xmlns:mc="http://schemas.openxmlformats.org/markup-compatibility/2006">
-          <mc:Choice xmlns:p14="http://schemas.microsoft.com/office/powerpoint/2010/main" Requires="p14">
+        <mc:AlternateContent xmlns:mc="http://schemas.openxmlformats.org/markup-compatibility/2006" xmlns:p14="http://schemas.microsoft.com/office/powerpoint/2010/main">
+          <mc:Choice Requires="p14">
             <p:contentPart p14:bwMode="auto" r:id="rId98">
               <p14:nvContentPartPr>
                 <p14:cNvPr id="52" name="Ink 51">
@@ -23295,7 +23353,7 @@
               </p14:xfrm>
             </p:contentPart>
           </mc:Choice>
-          <mc:Fallback>
+          <mc:Fallback xmlns="">
             <p:pic>
               <p:nvPicPr>
                 <p:cNvPr id="52" name="Ink 51">
@@ -23326,8 +23384,8 @@
             </p:pic>
           </mc:Fallback>
         </mc:AlternateContent>
-        <mc:AlternateContent xmlns:mc="http://schemas.openxmlformats.org/markup-compatibility/2006">
-          <mc:Choice xmlns:p14="http://schemas.microsoft.com/office/powerpoint/2010/main" Requires="p14">
+        <mc:AlternateContent xmlns:mc="http://schemas.openxmlformats.org/markup-compatibility/2006" xmlns:p14="http://schemas.microsoft.com/office/powerpoint/2010/main">
+          <mc:Choice Requires="p14">
             <p:contentPart p14:bwMode="auto" r:id="rId100">
               <p14:nvContentPartPr>
                 <p14:cNvPr id="62" name="Ink 61">
@@ -23346,7 +23404,7 @@
               </p14:xfrm>
             </p:contentPart>
           </mc:Choice>
-          <mc:Fallback>
+          <mc:Fallback xmlns="">
             <p:pic>
               <p:nvPicPr>
                 <p:cNvPr id="62" name="Ink 61">
@@ -23377,8 +23435,8 @@
             </p:pic>
           </mc:Fallback>
         </mc:AlternateContent>
-        <mc:AlternateContent xmlns:mc="http://schemas.openxmlformats.org/markup-compatibility/2006">
-          <mc:Choice xmlns:p14="http://schemas.microsoft.com/office/powerpoint/2010/main" Requires="p14">
+        <mc:AlternateContent xmlns:mc="http://schemas.openxmlformats.org/markup-compatibility/2006" xmlns:p14="http://schemas.microsoft.com/office/powerpoint/2010/main">
+          <mc:Choice Requires="p14">
             <p:contentPart p14:bwMode="auto" r:id="rId102">
               <p14:nvContentPartPr>
                 <p14:cNvPr id="65" name="Ink 64">
@@ -23397,7 +23455,7 @@
               </p14:xfrm>
             </p:contentPart>
           </mc:Choice>
-          <mc:Fallback>
+          <mc:Fallback xmlns="">
             <p:pic>
               <p:nvPicPr>
                 <p:cNvPr id="65" name="Ink 64">
@@ -23428,8 +23486,8 @@
             </p:pic>
           </mc:Fallback>
         </mc:AlternateContent>
-        <mc:AlternateContent xmlns:mc="http://schemas.openxmlformats.org/markup-compatibility/2006">
-          <mc:Choice xmlns:p14="http://schemas.microsoft.com/office/powerpoint/2010/main" Requires="p14">
+        <mc:AlternateContent xmlns:mc="http://schemas.openxmlformats.org/markup-compatibility/2006" xmlns:p14="http://schemas.microsoft.com/office/powerpoint/2010/main">
+          <mc:Choice Requires="p14">
             <p:contentPart p14:bwMode="auto" r:id="rId104">
               <p14:nvContentPartPr>
                 <p14:cNvPr id="69" name="Ink 68">
@@ -23448,7 +23506,7 @@
               </p14:xfrm>
             </p:contentPart>
           </mc:Choice>
-          <mc:Fallback>
+          <mc:Fallback xmlns="">
             <p:pic>
               <p:nvPicPr>
                 <p:cNvPr id="69" name="Ink 68">
@@ -23479,8 +23537,8 @@
             </p:pic>
           </mc:Fallback>
         </mc:AlternateContent>
-        <mc:AlternateContent xmlns:mc="http://schemas.openxmlformats.org/markup-compatibility/2006">
-          <mc:Choice xmlns:p14="http://schemas.microsoft.com/office/powerpoint/2010/main" Requires="p14">
+        <mc:AlternateContent xmlns:mc="http://schemas.openxmlformats.org/markup-compatibility/2006" xmlns:p14="http://schemas.microsoft.com/office/powerpoint/2010/main">
+          <mc:Choice Requires="p14">
             <p:contentPart p14:bwMode="auto" r:id="rId106">
               <p14:nvContentPartPr>
                 <p14:cNvPr id="75" name="Ink 74">
@@ -23499,7 +23557,7 @@
               </p14:xfrm>
             </p:contentPart>
           </mc:Choice>
-          <mc:Fallback>
+          <mc:Fallback xmlns="">
             <p:pic>
               <p:nvPicPr>
                 <p:cNvPr id="75" name="Ink 74">
@@ -23530,8 +23588,8 @@
             </p:pic>
           </mc:Fallback>
         </mc:AlternateContent>
-        <mc:AlternateContent xmlns:mc="http://schemas.openxmlformats.org/markup-compatibility/2006">
-          <mc:Choice xmlns:p14="http://schemas.microsoft.com/office/powerpoint/2010/main" Requires="p14">
+        <mc:AlternateContent xmlns:mc="http://schemas.openxmlformats.org/markup-compatibility/2006" xmlns:p14="http://schemas.microsoft.com/office/powerpoint/2010/main">
+          <mc:Choice Requires="p14">
             <p:contentPart p14:bwMode="auto" r:id="rId108">
               <p14:nvContentPartPr>
                 <p14:cNvPr id="76" name="Ink 75">
@@ -23550,7 +23608,7 @@
               </p14:xfrm>
             </p:contentPart>
           </mc:Choice>
-          <mc:Fallback>
+          <mc:Fallback xmlns="">
             <p:pic>
               <p:nvPicPr>
                 <p:cNvPr id="76" name="Ink 75">
@@ -23581,8 +23639,8 @@
             </p:pic>
           </mc:Fallback>
         </mc:AlternateContent>
-        <mc:AlternateContent xmlns:mc="http://schemas.openxmlformats.org/markup-compatibility/2006">
-          <mc:Choice xmlns:p14="http://schemas.microsoft.com/office/powerpoint/2010/main" Requires="p14">
+        <mc:AlternateContent xmlns:mc="http://schemas.openxmlformats.org/markup-compatibility/2006" xmlns:p14="http://schemas.microsoft.com/office/powerpoint/2010/main">
+          <mc:Choice Requires="p14">
             <p:contentPart p14:bwMode="auto" r:id="rId110">
               <p14:nvContentPartPr>
                 <p14:cNvPr id="93" name="Ink 92">
@@ -23601,7 +23659,7 @@
               </p14:xfrm>
             </p:contentPart>
           </mc:Choice>
-          <mc:Fallback>
+          <mc:Fallback xmlns="">
             <p:pic>
               <p:nvPicPr>
                 <p:cNvPr id="93" name="Ink 92">
@@ -23632,8 +23690,8 @@
             </p:pic>
           </mc:Fallback>
         </mc:AlternateContent>
-        <mc:AlternateContent xmlns:mc="http://schemas.openxmlformats.org/markup-compatibility/2006">
-          <mc:Choice xmlns:p14="http://schemas.microsoft.com/office/powerpoint/2010/main" Requires="p14">
+        <mc:AlternateContent xmlns:mc="http://schemas.openxmlformats.org/markup-compatibility/2006" xmlns:p14="http://schemas.microsoft.com/office/powerpoint/2010/main">
+          <mc:Choice Requires="p14">
             <p:contentPart p14:bwMode="auto" r:id="rId112">
               <p14:nvContentPartPr>
                 <p14:cNvPr id="100" name="Ink 99">
@@ -23652,7 +23710,7 @@
               </p14:xfrm>
             </p:contentPart>
           </mc:Choice>
-          <mc:Fallback>
+          <mc:Fallback xmlns="">
             <p:pic>
               <p:nvPicPr>
                 <p:cNvPr id="100" name="Ink 99">
@@ -23683,8 +23741,8 @@
             </p:pic>
           </mc:Fallback>
         </mc:AlternateContent>
-        <mc:AlternateContent xmlns:mc="http://schemas.openxmlformats.org/markup-compatibility/2006">
-          <mc:Choice xmlns:p14="http://schemas.microsoft.com/office/powerpoint/2010/main" Requires="p14">
+        <mc:AlternateContent xmlns:mc="http://schemas.openxmlformats.org/markup-compatibility/2006" xmlns:p14="http://schemas.microsoft.com/office/powerpoint/2010/main">
+          <mc:Choice Requires="p14">
             <p:contentPart p14:bwMode="auto" r:id="rId114">
               <p14:nvContentPartPr>
                 <p14:cNvPr id="102" name="Ink 101">
@@ -23703,7 +23761,7 @@
               </p14:xfrm>
             </p:contentPart>
           </mc:Choice>
-          <mc:Fallback>
+          <mc:Fallback xmlns="">
             <p:pic>
               <p:nvPicPr>
                 <p:cNvPr id="102" name="Ink 101">
@@ -23734,8 +23792,8 @@
             </p:pic>
           </mc:Fallback>
         </mc:AlternateContent>
-        <mc:AlternateContent xmlns:mc="http://schemas.openxmlformats.org/markup-compatibility/2006">
-          <mc:Choice xmlns:p14="http://schemas.microsoft.com/office/powerpoint/2010/main" Requires="p14">
+        <mc:AlternateContent xmlns:mc="http://schemas.openxmlformats.org/markup-compatibility/2006" xmlns:p14="http://schemas.microsoft.com/office/powerpoint/2010/main">
+          <mc:Choice Requires="p14">
             <p:contentPart p14:bwMode="auto" r:id="rId116">
               <p14:nvContentPartPr>
                 <p14:cNvPr id="104" name="Ink 103">
@@ -23754,7 +23812,7 @@
               </p14:xfrm>
             </p:contentPart>
           </mc:Choice>
-          <mc:Fallback>
+          <mc:Fallback xmlns="">
             <p:pic>
               <p:nvPicPr>
                 <p:cNvPr id="104" name="Ink 103">
@@ -23785,8 +23843,8 @@
             </p:pic>
           </mc:Fallback>
         </mc:AlternateContent>
-        <mc:AlternateContent xmlns:mc="http://schemas.openxmlformats.org/markup-compatibility/2006">
-          <mc:Choice xmlns:p14="http://schemas.microsoft.com/office/powerpoint/2010/main" Requires="p14">
+        <mc:AlternateContent xmlns:mc="http://schemas.openxmlformats.org/markup-compatibility/2006" xmlns:p14="http://schemas.microsoft.com/office/powerpoint/2010/main">
+          <mc:Choice Requires="p14">
             <p:contentPart p14:bwMode="auto" r:id="rId118">
               <p14:nvContentPartPr>
                 <p14:cNvPr id="106" name="Ink 105">
@@ -23805,7 +23863,7 @@
               </p14:xfrm>
             </p:contentPart>
           </mc:Choice>
-          <mc:Fallback>
+          <mc:Fallback xmlns="">
             <p:pic>
               <p:nvPicPr>
                 <p:cNvPr id="106" name="Ink 105">
@@ -23857,8 +23915,8 @@
             <a:chExt cx="2659320" cy="810360"/>
           </a:xfrm>
         </p:grpSpPr>
-        <mc:AlternateContent xmlns:mc="http://schemas.openxmlformats.org/markup-compatibility/2006">
-          <mc:Choice xmlns:p14="http://schemas.microsoft.com/office/powerpoint/2010/main" Requires="p14">
+        <mc:AlternateContent xmlns:mc="http://schemas.openxmlformats.org/markup-compatibility/2006" xmlns:p14="http://schemas.microsoft.com/office/powerpoint/2010/main">
+          <mc:Choice Requires="p14">
             <p:contentPart p14:bwMode="auto" r:id="rId120">
               <p14:nvContentPartPr>
                 <p14:cNvPr id="123" name="Ink 122">
@@ -23877,7 +23935,7 @@
               </p14:xfrm>
             </p:contentPart>
           </mc:Choice>
-          <mc:Fallback>
+          <mc:Fallback xmlns="">
             <p:pic>
               <p:nvPicPr>
                 <p:cNvPr id="123" name="Ink 122">
@@ -23908,8 +23966,8 @@
             </p:pic>
           </mc:Fallback>
         </mc:AlternateContent>
-        <mc:AlternateContent xmlns:mc="http://schemas.openxmlformats.org/markup-compatibility/2006">
-          <mc:Choice xmlns:p14="http://schemas.microsoft.com/office/powerpoint/2010/main" Requires="p14">
+        <mc:AlternateContent xmlns:mc="http://schemas.openxmlformats.org/markup-compatibility/2006" xmlns:p14="http://schemas.microsoft.com/office/powerpoint/2010/main">
+          <mc:Choice Requires="p14">
             <p:contentPart p14:bwMode="auto" r:id="rId122">
               <p14:nvContentPartPr>
                 <p14:cNvPr id="124" name="Ink 123">
@@ -23928,7 +23986,7 @@
               </p14:xfrm>
             </p:contentPart>
           </mc:Choice>
-          <mc:Fallback>
+          <mc:Fallback xmlns="">
             <p:pic>
               <p:nvPicPr>
                 <p:cNvPr id="124" name="Ink 123">
@@ -23959,8 +24017,8 @@
             </p:pic>
           </mc:Fallback>
         </mc:AlternateContent>
-        <mc:AlternateContent xmlns:mc="http://schemas.openxmlformats.org/markup-compatibility/2006">
-          <mc:Choice xmlns:p14="http://schemas.microsoft.com/office/powerpoint/2010/main" Requires="p14">
+        <mc:AlternateContent xmlns:mc="http://schemas.openxmlformats.org/markup-compatibility/2006" xmlns:p14="http://schemas.microsoft.com/office/powerpoint/2010/main">
+          <mc:Choice Requires="p14">
             <p:contentPart p14:bwMode="auto" r:id="rId124">
               <p14:nvContentPartPr>
                 <p14:cNvPr id="125" name="Ink 124">
@@ -23979,7 +24037,7 @@
               </p14:xfrm>
             </p:contentPart>
           </mc:Choice>
-          <mc:Fallback>
+          <mc:Fallback xmlns="">
             <p:pic>
               <p:nvPicPr>
                 <p:cNvPr id="125" name="Ink 124">
@@ -24010,8 +24068,8 @@
             </p:pic>
           </mc:Fallback>
         </mc:AlternateContent>
-        <mc:AlternateContent xmlns:mc="http://schemas.openxmlformats.org/markup-compatibility/2006">
-          <mc:Choice xmlns:p14="http://schemas.microsoft.com/office/powerpoint/2010/main" Requires="p14">
+        <mc:AlternateContent xmlns:mc="http://schemas.openxmlformats.org/markup-compatibility/2006" xmlns:p14="http://schemas.microsoft.com/office/powerpoint/2010/main">
+          <mc:Choice Requires="p14">
             <p:contentPart p14:bwMode="auto" r:id="rId126">
               <p14:nvContentPartPr>
                 <p14:cNvPr id="126" name="Ink 125">
@@ -24030,7 +24088,7 @@
               </p14:xfrm>
             </p:contentPart>
           </mc:Choice>
-          <mc:Fallback>
+          <mc:Fallback xmlns="">
             <p:pic>
               <p:nvPicPr>
                 <p:cNvPr id="126" name="Ink 125">
@@ -24061,8 +24119,8 @@
             </p:pic>
           </mc:Fallback>
         </mc:AlternateContent>
-        <mc:AlternateContent xmlns:mc="http://schemas.openxmlformats.org/markup-compatibility/2006">
-          <mc:Choice xmlns:p14="http://schemas.microsoft.com/office/powerpoint/2010/main" Requires="p14">
+        <mc:AlternateContent xmlns:mc="http://schemas.openxmlformats.org/markup-compatibility/2006" xmlns:p14="http://schemas.microsoft.com/office/powerpoint/2010/main">
+          <mc:Choice Requires="p14">
             <p:contentPart p14:bwMode="auto" r:id="rId128">
               <p14:nvContentPartPr>
                 <p14:cNvPr id="127" name="Ink 126">
@@ -24081,7 +24139,7 @@
               </p14:xfrm>
             </p:contentPart>
           </mc:Choice>
-          <mc:Fallback>
+          <mc:Fallback xmlns="">
             <p:pic>
               <p:nvPicPr>
                 <p:cNvPr id="127" name="Ink 126">
@@ -24112,8 +24170,8 @@
             </p:pic>
           </mc:Fallback>
         </mc:AlternateContent>
-        <mc:AlternateContent xmlns:mc="http://schemas.openxmlformats.org/markup-compatibility/2006">
-          <mc:Choice xmlns:p14="http://schemas.microsoft.com/office/powerpoint/2010/main" Requires="p14">
+        <mc:AlternateContent xmlns:mc="http://schemas.openxmlformats.org/markup-compatibility/2006" xmlns:p14="http://schemas.microsoft.com/office/powerpoint/2010/main">
+          <mc:Choice Requires="p14">
             <p:contentPart p14:bwMode="auto" r:id="rId130">
               <p14:nvContentPartPr>
                 <p14:cNvPr id="128" name="Ink 127">
@@ -24132,7 +24190,7 @@
               </p14:xfrm>
             </p:contentPart>
           </mc:Choice>
-          <mc:Fallback>
+          <mc:Fallback xmlns="">
             <p:pic>
               <p:nvPicPr>
                 <p:cNvPr id="128" name="Ink 127">
@@ -24163,8 +24221,8 @@
             </p:pic>
           </mc:Fallback>
         </mc:AlternateContent>
-        <mc:AlternateContent xmlns:mc="http://schemas.openxmlformats.org/markup-compatibility/2006">
-          <mc:Choice xmlns:p14="http://schemas.microsoft.com/office/powerpoint/2010/main" Requires="p14">
+        <mc:AlternateContent xmlns:mc="http://schemas.openxmlformats.org/markup-compatibility/2006" xmlns:p14="http://schemas.microsoft.com/office/powerpoint/2010/main">
+          <mc:Choice Requires="p14">
             <p:contentPart p14:bwMode="auto" r:id="rId132">
               <p14:nvContentPartPr>
                 <p14:cNvPr id="129" name="Ink 128">
@@ -24183,7 +24241,7 @@
               </p14:xfrm>
             </p:contentPart>
           </mc:Choice>
-          <mc:Fallback>
+          <mc:Fallback xmlns="">
             <p:pic>
               <p:nvPicPr>
                 <p:cNvPr id="129" name="Ink 128">
@@ -24214,8 +24272,8 @@
             </p:pic>
           </mc:Fallback>
         </mc:AlternateContent>
-        <mc:AlternateContent xmlns:mc="http://schemas.openxmlformats.org/markup-compatibility/2006">
-          <mc:Choice xmlns:p14="http://schemas.microsoft.com/office/powerpoint/2010/main" Requires="p14">
+        <mc:AlternateContent xmlns:mc="http://schemas.openxmlformats.org/markup-compatibility/2006" xmlns:p14="http://schemas.microsoft.com/office/powerpoint/2010/main">
+          <mc:Choice Requires="p14">
             <p:contentPart p14:bwMode="auto" r:id="rId134">
               <p14:nvContentPartPr>
                 <p14:cNvPr id="130" name="Ink 129">
@@ -24234,7 +24292,7 @@
               </p14:xfrm>
             </p:contentPart>
           </mc:Choice>
-          <mc:Fallback>
+          <mc:Fallback xmlns="">
             <p:pic>
               <p:nvPicPr>
                 <p:cNvPr id="130" name="Ink 129">
@@ -24265,8 +24323,8 @@
             </p:pic>
           </mc:Fallback>
         </mc:AlternateContent>
-        <mc:AlternateContent xmlns:mc="http://schemas.openxmlformats.org/markup-compatibility/2006">
-          <mc:Choice xmlns:p14="http://schemas.microsoft.com/office/powerpoint/2010/main" Requires="p14">
+        <mc:AlternateContent xmlns:mc="http://schemas.openxmlformats.org/markup-compatibility/2006" xmlns:p14="http://schemas.microsoft.com/office/powerpoint/2010/main">
+          <mc:Choice Requires="p14">
             <p:contentPart p14:bwMode="auto" r:id="rId136">
               <p14:nvContentPartPr>
                 <p14:cNvPr id="131" name="Ink 130">
@@ -24285,7 +24343,7 @@
               </p14:xfrm>
             </p:contentPart>
           </mc:Choice>
-          <mc:Fallback>
+          <mc:Fallback xmlns="">
             <p:pic>
               <p:nvPicPr>
                 <p:cNvPr id="131" name="Ink 130">
@@ -24316,8 +24374,8 @@
             </p:pic>
           </mc:Fallback>
         </mc:AlternateContent>
-        <mc:AlternateContent xmlns:mc="http://schemas.openxmlformats.org/markup-compatibility/2006">
-          <mc:Choice xmlns:p14="http://schemas.microsoft.com/office/powerpoint/2010/main" Requires="p14">
+        <mc:AlternateContent xmlns:mc="http://schemas.openxmlformats.org/markup-compatibility/2006" xmlns:p14="http://schemas.microsoft.com/office/powerpoint/2010/main">
+          <mc:Choice Requires="p14">
             <p:contentPart p14:bwMode="auto" r:id="rId138">
               <p14:nvContentPartPr>
                 <p14:cNvPr id="133" name="Ink 132">
@@ -24336,7 +24394,7 @@
               </p14:xfrm>
             </p:contentPart>
           </mc:Choice>
-          <mc:Fallback>
+          <mc:Fallback xmlns="">
             <p:pic>
               <p:nvPicPr>
                 <p:cNvPr id="133" name="Ink 132">
